--- a/Basics of computer/basic.pptx
+++ b/Basics of computer/basic.pptx
@@ -4,22 +4,32 @@
   <p:sldMasterIdLst>
     <p:sldMasterId id="2147483648" r:id="rId1"/>
   </p:sldMasterIdLst>
+  <p:notesMasterIdLst>
+    <p:notesMasterId r:id="rId24"/>
+  </p:notesMasterIdLst>
   <p:sldIdLst>
     <p:sldId id="256" r:id="rId2"/>
     <p:sldId id="258" r:id="rId3"/>
-    <p:sldId id="259" r:id="rId4"/>
-    <p:sldId id="260" r:id="rId5"/>
-    <p:sldId id="261" r:id="rId6"/>
-    <p:sldId id="262" r:id="rId7"/>
-    <p:sldId id="263" r:id="rId8"/>
-    <p:sldId id="264" r:id="rId9"/>
-    <p:sldId id="265" r:id="rId10"/>
-    <p:sldId id="269" r:id="rId11"/>
-    <p:sldId id="268" r:id="rId12"/>
-    <p:sldId id="270" r:id="rId13"/>
-    <p:sldId id="271" r:id="rId14"/>
-    <p:sldId id="272" r:id="rId15"/>
+    <p:sldId id="265" r:id="rId4"/>
+    <p:sldId id="259" r:id="rId5"/>
+    <p:sldId id="274" r:id="rId6"/>
+    <p:sldId id="260" r:id="rId7"/>
+    <p:sldId id="261" r:id="rId8"/>
+    <p:sldId id="262" r:id="rId9"/>
+    <p:sldId id="275" r:id="rId10"/>
+    <p:sldId id="276" r:id="rId11"/>
+    <p:sldId id="277" r:id="rId12"/>
+    <p:sldId id="280" r:id="rId13"/>
+    <p:sldId id="281" r:id="rId14"/>
+    <p:sldId id="282" r:id="rId15"/>
     <p:sldId id="273" r:id="rId16"/>
+    <p:sldId id="278" r:id="rId17"/>
+    <p:sldId id="283" r:id="rId18"/>
+    <p:sldId id="284" r:id="rId19"/>
+    <p:sldId id="285" r:id="rId20"/>
+    <p:sldId id="286" r:id="rId21"/>
+    <p:sldId id="287" r:id="rId22"/>
+    <p:sldId id="288" r:id="rId23"/>
   </p:sldIdLst>
   <p:sldSz cx="9144000" cy="6858000" type="screen4x3"/>
   <p:notesSz cx="6858000" cy="9144000"/>
@@ -118,7 +128,457 @@
       </a:defRPr>
     </a:lvl9pPr>
   </p:defaultTextStyle>
+  <p:extLst>
+    <p:ext uri="{EFAFB233-063F-42B5-8137-9DF3F51BA10A}">
+      <p15:sldGuideLst xmlns:p15="http://schemas.microsoft.com/office/powerpoint/2012/main" xmlns="">
+        <p15:guide id="1" orient="horz" pos="2160">
+          <p15:clr>
+            <a:srgbClr val="A4A3A4"/>
+          </p15:clr>
+        </p15:guide>
+        <p15:guide id="2" pos="2880">
+          <p15:clr>
+            <a:srgbClr val="A4A3A4"/>
+          </p15:clr>
+        </p15:guide>
+      </p15:sldGuideLst>
+    </p:ext>
+  </p:extLst>
 </p:presentation>
+</file>
+
+<file path=ppt/notesMasters/notesMaster1.xml><?xml version="1.0" encoding="utf-8"?>
+<p:notesMaster xmlns:a="http://schemas.openxmlformats.org/drawingml/2006/main" xmlns:r="http://schemas.openxmlformats.org/officeDocument/2006/relationships" xmlns:p="http://schemas.openxmlformats.org/presentationml/2006/main">
+  <p:cSld>
+    <p:bg>
+      <p:bgRef idx="1001">
+        <a:schemeClr val="bg1"/>
+      </p:bgRef>
+    </p:bg>
+    <p:spTree>
+      <p:nvGrpSpPr>
+        <p:cNvPr id="1" name=""/>
+        <p:cNvGrpSpPr/>
+        <p:nvPr/>
+      </p:nvGrpSpPr>
+      <p:grpSpPr>
+        <a:xfrm>
+          <a:off x="0" y="0"/>
+          <a:ext cx="0" cy="0"/>
+          <a:chOff x="0" y="0"/>
+          <a:chExt cx="0" cy="0"/>
+        </a:xfrm>
+      </p:grpSpPr>
+      <p:sp>
+        <p:nvSpPr>
+          <p:cNvPr id="2" name="Header Placeholder 1"/>
+          <p:cNvSpPr>
+            <a:spLocks noGrp="1"/>
+          </p:cNvSpPr>
+          <p:nvPr>
+            <p:ph type="hdr" sz="quarter"/>
+          </p:nvPr>
+        </p:nvSpPr>
+        <p:spPr>
+          <a:xfrm>
+            <a:off x="0" y="0"/>
+            <a:ext cx="2971800" cy="458788"/>
+          </a:xfrm>
+          <a:prstGeom prst="rect">
+            <a:avLst/>
+          </a:prstGeom>
+        </p:spPr>
+        <p:txBody>
+          <a:bodyPr vert="horz" lIns="91440" tIns="45720" rIns="91440" bIns="45720" rtlCol="0"/>
+          <a:lstStyle>
+            <a:lvl1pPr algn="l">
+              <a:defRPr sz="1200"/>
+            </a:lvl1pPr>
+          </a:lstStyle>
+          <a:p>
+            <a:endParaRPr lang="en-US"/>
+          </a:p>
+        </p:txBody>
+      </p:sp>
+      <p:sp>
+        <p:nvSpPr>
+          <p:cNvPr id="3" name="Date Placeholder 2"/>
+          <p:cNvSpPr>
+            <a:spLocks noGrp="1"/>
+          </p:cNvSpPr>
+          <p:nvPr>
+            <p:ph type="dt" idx="1"/>
+          </p:nvPr>
+        </p:nvSpPr>
+        <p:spPr>
+          <a:xfrm>
+            <a:off x="3884613" y="0"/>
+            <a:ext cx="2971800" cy="458788"/>
+          </a:xfrm>
+          <a:prstGeom prst="rect">
+            <a:avLst/>
+          </a:prstGeom>
+        </p:spPr>
+        <p:txBody>
+          <a:bodyPr vert="horz" lIns="91440" tIns="45720" rIns="91440" bIns="45720" rtlCol="0"/>
+          <a:lstStyle>
+            <a:lvl1pPr algn="r">
+              <a:defRPr sz="1200"/>
+            </a:lvl1pPr>
+          </a:lstStyle>
+          <a:p>
+            <a:fld id="{CFFD9D12-9B57-4CA2-923D-2E5E9D42F82F}" type="datetimeFigureOut">
+              <a:rPr lang="en-US" smtClean="0"/>
+              <a:t>12/20/2022</a:t>
+            </a:fld>
+            <a:endParaRPr lang="en-US"/>
+          </a:p>
+        </p:txBody>
+      </p:sp>
+      <p:sp>
+        <p:nvSpPr>
+          <p:cNvPr id="4" name="Slide Image Placeholder 3"/>
+          <p:cNvSpPr>
+            <a:spLocks noGrp="1" noRot="1" noChangeAspect="1"/>
+          </p:cNvSpPr>
+          <p:nvPr>
+            <p:ph type="sldImg" idx="2"/>
+          </p:nvPr>
+        </p:nvSpPr>
+        <p:spPr>
+          <a:xfrm>
+            <a:off x="1371600" y="1143000"/>
+            <a:ext cx="4114800" cy="3086100"/>
+          </a:xfrm>
+          <a:prstGeom prst="rect">
+            <a:avLst/>
+          </a:prstGeom>
+          <a:noFill/>
+          <a:ln w="12700">
+            <a:solidFill>
+              <a:prstClr val="black"/>
+            </a:solidFill>
+          </a:ln>
+        </p:spPr>
+        <p:txBody>
+          <a:bodyPr vert="horz" lIns="91440" tIns="45720" rIns="91440" bIns="45720" rtlCol="0" anchor="ctr"/>
+          <a:lstStyle/>
+          <a:p>
+            <a:endParaRPr lang="en-US"/>
+          </a:p>
+        </p:txBody>
+      </p:sp>
+      <p:sp>
+        <p:nvSpPr>
+          <p:cNvPr id="5" name="Notes Placeholder 4"/>
+          <p:cNvSpPr>
+            <a:spLocks noGrp="1"/>
+          </p:cNvSpPr>
+          <p:nvPr>
+            <p:ph type="body" sz="quarter" idx="3"/>
+          </p:nvPr>
+        </p:nvSpPr>
+        <p:spPr>
+          <a:xfrm>
+            <a:off x="685800" y="4400550"/>
+            <a:ext cx="5486400" cy="3600450"/>
+          </a:xfrm>
+          <a:prstGeom prst="rect">
+            <a:avLst/>
+          </a:prstGeom>
+        </p:spPr>
+        <p:txBody>
+          <a:bodyPr vert="horz" lIns="91440" tIns="45720" rIns="91440" bIns="45720" rtlCol="0"/>
+          <a:lstStyle/>
+          <a:p>
+            <a:pPr lvl="0"/>
+            <a:r>
+              <a:rPr lang="en-US" smtClean="0"/>
+              <a:t>Click to edit Master text styles</a:t>
+            </a:r>
+          </a:p>
+          <a:p>
+            <a:pPr lvl="1"/>
+            <a:r>
+              <a:rPr lang="en-US" smtClean="0"/>
+              <a:t>Second level</a:t>
+            </a:r>
+          </a:p>
+          <a:p>
+            <a:pPr lvl="2"/>
+            <a:r>
+              <a:rPr lang="en-US" smtClean="0"/>
+              <a:t>Third level</a:t>
+            </a:r>
+          </a:p>
+          <a:p>
+            <a:pPr lvl="3"/>
+            <a:r>
+              <a:rPr lang="en-US" smtClean="0"/>
+              <a:t>Fourth level</a:t>
+            </a:r>
+          </a:p>
+          <a:p>
+            <a:pPr lvl="4"/>
+            <a:r>
+              <a:rPr lang="en-US" smtClean="0"/>
+              <a:t>Fifth level</a:t>
+            </a:r>
+            <a:endParaRPr lang="en-US"/>
+          </a:p>
+        </p:txBody>
+      </p:sp>
+      <p:sp>
+        <p:nvSpPr>
+          <p:cNvPr id="6" name="Footer Placeholder 5"/>
+          <p:cNvSpPr>
+            <a:spLocks noGrp="1"/>
+          </p:cNvSpPr>
+          <p:nvPr>
+            <p:ph type="ftr" sz="quarter" idx="4"/>
+          </p:nvPr>
+        </p:nvSpPr>
+        <p:spPr>
+          <a:xfrm>
+            <a:off x="0" y="8685213"/>
+            <a:ext cx="2971800" cy="458787"/>
+          </a:xfrm>
+          <a:prstGeom prst="rect">
+            <a:avLst/>
+          </a:prstGeom>
+        </p:spPr>
+        <p:txBody>
+          <a:bodyPr vert="horz" lIns="91440" tIns="45720" rIns="91440" bIns="45720" rtlCol="0" anchor="b"/>
+          <a:lstStyle>
+            <a:lvl1pPr algn="l">
+              <a:defRPr sz="1200"/>
+            </a:lvl1pPr>
+          </a:lstStyle>
+          <a:p>
+            <a:endParaRPr lang="en-US"/>
+          </a:p>
+        </p:txBody>
+      </p:sp>
+      <p:sp>
+        <p:nvSpPr>
+          <p:cNvPr id="7" name="Slide Number Placeholder 6"/>
+          <p:cNvSpPr>
+            <a:spLocks noGrp="1"/>
+          </p:cNvSpPr>
+          <p:nvPr>
+            <p:ph type="sldNum" sz="quarter" idx="5"/>
+          </p:nvPr>
+        </p:nvSpPr>
+        <p:spPr>
+          <a:xfrm>
+            <a:off x="3884613" y="8685213"/>
+            <a:ext cx="2971800" cy="458787"/>
+          </a:xfrm>
+          <a:prstGeom prst="rect">
+            <a:avLst/>
+          </a:prstGeom>
+        </p:spPr>
+        <p:txBody>
+          <a:bodyPr vert="horz" lIns="91440" tIns="45720" rIns="91440" bIns="45720" rtlCol="0" anchor="b"/>
+          <a:lstStyle>
+            <a:lvl1pPr algn="r">
+              <a:defRPr sz="1200"/>
+            </a:lvl1pPr>
+          </a:lstStyle>
+          <a:p>
+            <a:fld id="{49159C75-30F5-45C0-B9A6-AFB3BEC7162C}" type="slidenum">
+              <a:rPr lang="en-US" smtClean="0"/>
+              <a:t>‹#›</a:t>
+            </a:fld>
+            <a:endParaRPr lang="en-US"/>
+          </a:p>
+        </p:txBody>
+      </p:sp>
+    </p:spTree>
+    <p:extLst>
+      <p:ext uri="{BB962C8B-B14F-4D97-AF65-F5344CB8AC3E}">
+        <p14:creationId xmlns:p14="http://schemas.microsoft.com/office/powerpoint/2010/main" val="364194260"/>
+      </p:ext>
+    </p:extLst>
+  </p:cSld>
+  <p:clrMap bg1="lt1" tx1="dk1" bg2="lt2" tx2="dk2" accent1="accent1" accent2="accent2" accent3="accent3" accent4="accent4" accent5="accent5" accent6="accent6" hlink="hlink" folHlink="folHlink"/>
+  <p:notesStyle>
+    <a:lvl1pPr marL="0" algn="l" defTabSz="914400" rtl="0" eaLnBrk="1" latinLnBrk="0" hangingPunct="1">
+      <a:defRPr sz="1200" kern="1200">
+        <a:solidFill>
+          <a:schemeClr val="tx1"/>
+        </a:solidFill>
+        <a:latin typeface="+mn-lt"/>
+        <a:ea typeface="+mn-ea"/>
+        <a:cs typeface="+mn-cs"/>
+      </a:defRPr>
+    </a:lvl1pPr>
+    <a:lvl2pPr marL="457200" algn="l" defTabSz="914400" rtl="0" eaLnBrk="1" latinLnBrk="0" hangingPunct="1">
+      <a:defRPr sz="1200" kern="1200">
+        <a:solidFill>
+          <a:schemeClr val="tx1"/>
+        </a:solidFill>
+        <a:latin typeface="+mn-lt"/>
+        <a:ea typeface="+mn-ea"/>
+        <a:cs typeface="+mn-cs"/>
+      </a:defRPr>
+    </a:lvl2pPr>
+    <a:lvl3pPr marL="914400" algn="l" defTabSz="914400" rtl="0" eaLnBrk="1" latinLnBrk="0" hangingPunct="1">
+      <a:defRPr sz="1200" kern="1200">
+        <a:solidFill>
+          <a:schemeClr val="tx1"/>
+        </a:solidFill>
+        <a:latin typeface="+mn-lt"/>
+        <a:ea typeface="+mn-ea"/>
+        <a:cs typeface="+mn-cs"/>
+      </a:defRPr>
+    </a:lvl3pPr>
+    <a:lvl4pPr marL="1371600" algn="l" defTabSz="914400" rtl="0" eaLnBrk="1" latinLnBrk="0" hangingPunct="1">
+      <a:defRPr sz="1200" kern="1200">
+        <a:solidFill>
+          <a:schemeClr val="tx1"/>
+        </a:solidFill>
+        <a:latin typeface="+mn-lt"/>
+        <a:ea typeface="+mn-ea"/>
+        <a:cs typeface="+mn-cs"/>
+      </a:defRPr>
+    </a:lvl4pPr>
+    <a:lvl5pPr marL="1828800" algn="l" defTabSz="914400" rtl="0" eaLnBrk="1" latinLnBrk="0" hangingPunct="1">
+      <a:defRPr sz="1200" kern="1200">
+        <a:solidFill>
+          <a:schemeClr val="tx1"/>
+        </a:solidFill>
+        <a:latin typeface="+mn-lt"/>
+        <a:ea typeface="+mn-ea"/>
+        <a:cs typeface="+mn-cs"/>
+      </a:defRPr>
+    </a:lvl5pPr>
+    <a:lvl6pPr marL="2286000" algn="l" defTabSz="914400" rtl="0" eaLnBrk="1" latinLnBrk="0" hangingPunct="1">
+      <a:defRPr sz="1200" kern="1200">
+        <a:solidFill>
+          <a:schemeClr val="tx1"/>
+        </a:solidFill>
+        <a:latin typeface="+mn-lt"/>
+        <a:ea typeface="+mn-ea"/>
+        <a:cs typeface="+mn-cs"/>
+      </a:defRPr>
+    </a:lvl6pPr>
+    <a:lvl7pPr marL="2743200" algn="l" defTabSz="914400" rtl="0" eaLnBrk="1" latinLnBrk="0" hangingPunct="1">
+      <a:defRPr sz="1200" kern="1200">
+        <a:solidFill>
+          <a:schemeClr val="tx1"/>
+        </a:solidFill>
+        <a:latin typeface="+mn-lt"/>
+        <a:ea typeface="+mn-ea"/>
+        <a:cs typeface="+mn-cs"/>
+      </a:defRPr>
+    </a:lvl7pPr>
+    <a:lvl8pPr marL="3200400" algn="l" defTabSz="914400" rtl="0" eaLnBrk="1" latinLnBrk="0" hangingPunct="1">
+      <a:defRPr sz="1200" kern="1200">
+        <a:solidFill>
+          <a:schemeClr val="tx1"/>
+        </a:solidFill>
+        <a:latin typeface="+mn-lt"/>
+        <a:ea typeface="+mn-ea"/>
+        <a:cs typeface="+mn-cs"/>
+      </a:defRPr>
+    </a:lvl8pPr>
+    <a:lvl9pPr marL="3657600" algn="l" defTabSz="914400" rtl="0" eaLnBrk="1" latinLnBrk="0" hangingPunct="1">
+      <a:defRPr sz="1200" kern="1200">
+        <a:solidFill>
+          <a:schemeClr val="tx1"/>
+        </a:solidFill>
+        <a:latin typeface="+mn-lt"/>
+        <a:ea typeface="+mn-ea"/>
+        <a:cs typeface="+mn-cs"/>
+      </a:defRPr>
+    </a:lvl9pPr>
+  </p:notesStyle>
+</p:notesMaster>
+</file>
+
+<file path=ppt/notesSlides/notesSlide1.xml><?xml version="1.0" encoding="utf-8"?>
+<p:notes xmlns:a="http://schemas.openxmlformats.org/drawingml/2006/main" xmlns:r="http://schemas.openxmlformats.org/officeDocument/2006/relationships" xmlns:p="http://schemas.openxmlformats.org/presentationml/2006/main">
+  <p:cSld>
+    <p:spTree>
+      <p:nvGrpSpPr>
+        <p:cNvPr id="1" name=""/>
+        <p:cNvGrpSpPr/>
+        <p:nvPr/>
+      </p:nvGrpSpPr>
+      <p:grpSpPr>
+        <a:xfrm>
+          <a:off x="0" y="0"/>
+          <a:ext cx="0" cy="0"/>
+          <a:chOff x="0" y="0"/>
+          <a:chExt cx="0" cy="0"/>
+        </a:xfrm>
+      </p:grpSpPr>
+      <p:sp>
+        <p:nvSpPr>
+          <p:cNvPr id="2" name="Slide Image Placeholder 1"/>
+          <p:cNvSpPr>
+            <a:spLocks noGrp="1" noRot="1" noChangeAspect="1"/>
+          </p:cNvSpPr>
+          <p:nvPr>
+            <p:ph type="sldImg"/>
+          </p:nvPr>
+        </p:nvSpPr>
+        <p:spPr/>
+      </p:sp>
+      <p:sp>
+        <p:nvSpPr>
+          <p:cNvPr id="3" name="Notes Placeholder 2"/>
+          <p:cNvSpPr>
+            <a:spLocks noGrp="1"/>
+          </p:cNvSpPr>
+          <p:nvPr>
+            <p:ph type="body" idx="1"/>
+          </p:nvPr>
+        </p:nvSpPr>
+        <p:spPr/>
+        <p:txBody>
+          <a:bodyPr/>
+          <a:lstStyle/>
+          <a:p>
+            <a:endParaRPr lang="en-US" dirty="0"/>
+          </a:p>
+        </p:txBody>
+      </p:sp>
+      <p:sp>
+        <p:nvSpPr>
+          <p:cNvPr id="4" name="Slide Number Placeholder 3"/>
+          <p:cNvSpPr>
+            <a:spLocks noGrp="1"/>
+          </p:cNvSpPr>
+          <p:nvPr>
+            <p:ph type="sldNum" sz="quarter" idx="10"/>
+          </p:nvPr>
+        </p:nvSpPr>
+        <p:spPr/>
+        <p:txBody>
+          <a:bodyPr/>
+          <a:lstStyle/>
+          <a:p>
+            <a:fld id="{49159C75-30F5-45C0-B9A6-AFB3BEC7162C}" type="slidenum">
+              <a:rPr lang="en-US" smtClean="0"/>
+              <a:t>22</a:t>
+            </a:fld>
+            <a:endParaRPr lang="en-US"/>
+          </a:p>
+        </p:txBody>
+      </p:sp>
+    </p:spTree>
+    <p:extLst>
+      <p:ext uri="{BB962C8B-B14F-4D97-AF65-F5344CB8AC3E}">
+        <p14:creationId xmlns:p14="http://schemas.microsoft.com/office/powerpoint/2010/main" val="2008875470"/>
+      </p:ext>
+    </p:extLst>
+  </p:cSld>
+  <p:clrMapOvr>
+    <a:masterClrMapping/>
+  </p:clrMapOvr>
+</p:notes>
 </file>
 
 <file path=ppt/slideLayouts/slideLayout1.xml><?xml version="1.0" encoding="utf-8"?>
@@ -302,7 +762,7 @@
           <a:p>
             <a:fld id="{DC734893-CBB3-45E3-9500-0C4521E90A0F}" type="datetimeFigureOut">
               <a:rPr lang="en-US" smtClean="0"/>
-              <a:t>27/09/2022</a:t>
+              <a:t>12/20/2022</a:t>
             </a:fld>
             <a:endParaRPr lang="en-US" dirty="0"/>
           </a:p>
@@ -472,7 +932,7 @@
           <a:p>
             <a:fld id="{DC734893-CBB3-45E3-9500-0C4521E90A0F}" type="datetimeFigureOut">
               <a:rPr lang="en-US" smtClean="0"/>
-              <a:t>27/09/2022</a:t>
+              <a:t>12/20/2022</a:t>
             </a:fld>
             <a:endParaRPr lang="en-US" dirty="0"/>
           </a:p>
@@ -652,7 +1112,7 @@
           <a:p>
             <a:fld id="{DC734893-CBB3-45E3-9500-0C4521E90A0F}" type="datetimeFigureOut">
               <a:rPr lang="en-US" smtClean="0"/>
-              <a:t>27/09/2022</a:t>
+              <a:t>12/20/2022</a:t>
             </a:fld>
             <a:endParaRPr lang="en-US" dirty="0"/>
           </a:p>
@@ -822,7 +1282,7 @@
           <a:p>
             <a:fld id="{DC734893-CBB3-45E3-9500-0C4521E90A0F}" type="datetimeFigureOut">
               <a:rPr lang="en-US" smtClean="0"/>
-              <a:t>27/09/2022</a:t>
+              <a:t>12/20/2022</a:t>
             </a:fld>
             <a:endParaRPr lang="en-US" dirty="0"/>
           </a:p>
@@ -1068,7 +1528,7 @@
           <a:p>
             <a:fld id="{DC734893-CBB3-45E3-9500-0C4521E90A0F}" type="datetimeFigureOut">
               <a:rPr lang="en-US" smtClean="0"/>
-              <a:t>27/09/2022</a:t>
+              <a:t>12/20/2022</a:t>
             </a:fld>
             <a:endParaRPr lang="en-US" dirty="0"/>
           </a:p>
@@ -1356,7 +1816,7 @@
           <a:p>
             <a:fld id="{DC734893-CBB3-45E3-9500-0C4521E90A0F}" type="datetimeFigureOut">
               <a:rPr lang="en-US" smtClean="0"/>
-              <a:t>27/09/2022</a:t>
+              <a:t>12/20/2022</a:t>
             </a:fld>
             <a:endParaRPr lang="en-US" dirty="0"/>
           </a:p>
@@ -1778,7 +2238,7 @@
           <a:p>
             <a:fld id="{DC734893-CBB3-45E3-9500-0C4521E90A0F}" type="datetimeFigureOut">
               <a:rPr lang="en-US" smtClean="0"/>
-              <a:t>27/09/2022</a:t>
+              <a:t>12/20/2022</a:t>
             </a:fld>
             <a:endParaRPr lang="en-US" dirty="0"/>
           </a:p>
@@ -1896,7 +2356,7 @@
           <a:p>
             <a:fld id="{DC734893-CBB3-45E3-9500-0C4521E90A0F}" type="datetimeFigureOut">
               <a:rPr lang="en-US" smtClean="0"/>
-              <a:t>27/09/2022</a:t>
+              <a:t>12/20/2022</a:t>
             </a:fld>
             <a:endParaRPr lang="en-US" dirty="0"/>
           </a:p>
@@ -1991,7 +2451,7 @@
           <a:p>
             <a:fld id="{DC734893-CBB3-45E3-9500-0C4521E90A0F}" type="datetimeFigureOut">
               <a:rPr lang="en-US" smtClean="0"/>
-              <a:t>27/09/2022</a:t>
+              <a:t>12/20/2022</a:t>
             </a:fld>
             <a:endParaRPr lang="en-US" dirty="0"/>
           </a:p>
@@ -2268,7 +2728,7 @@
           <a:p>
             <a:fld id="{DC734893-CBB3-45E3-9500-0C4521E90A0F}" type="datetimeFigureOut">
               <a:rPr lang="en-US" smtClean="0"/>
-              <a:t>27/09/2022</a:t>
+              <a:t>12/20/2022</a:t>
             </a:fld>
             <a:endParaRPr lang="en-US" dirty="0"/>
           </a:p>
@@ -2521,7 +2981,7 @@
           <a:p>
             <a:fld id="{DC734893-CBB3-45E3-9500-0C4521E90A0F}" type="datetimeFigureOut">
               <a:rPr lang="en-US" smtClean="0"/>
-              <a:t>27/09/2022</a:t>
+              <a:t>12/20/2022</a:t>
             </a:fld>
             <a:endParaRPr lang="en-US" dirty="0"/>
           </a:p>
@@ -2586,9 +3046,14 @@
 <p:sldMaster xmlns:a="http://schemas.openxmlformats.org/drawingml/2006/main" xmlns:r="http://schemas.openxmlformats.org/officeDocument/2006/relationships" xmlns:p="http://schemas.openxmlformats.org/presentationml/2006/main">
   <p:cSld>
     <p:bg>
-      <p:bgRef idx="1002">
-        <a:schemeClr val="bg1"/>
-      </p:bgRef>
+      <p:bgPr>
+        <a:solidFill>
+          <a:schemeClr val="accent5">
+            <a:lumMod val="75000"/>
+          </a:schemeClr>
+        </a:solidFill>
+        <a:effectLst/>
+      </p:bgPr>
     </p:bg>
     <p:spTree>
       <p:nvGrpSpPr>
@@ -2734,7 +3199,7 @@
           <a:p>
             <a:fld id="{DC734893-CBB3-45E3-9500-0C4521E90A0F}" type="datetimeFigureOut">
               <a:rPr lang="en-US" smtClean="0"/>
-              <a:t>27/09/2022</a:t>
+              <a:t>12/20/2022</a:t>
             </a:fld>
             <a:endParaRPr lang="en-US" dirty="0"/>
           </a:p>
@@ -3117,8 +3582,8 @@
         </p:nvSpPr>
         <p:spPr>
           <a:xfrm>
-            <a:off x="0" y="0"/>
-            <a:ext cx="9144000" cy="1752600"/>
+            <a:off x="0" y="1219200"/>
+            <a:ext cx="9144000" cy="3962400"/>
           </a:xfrm>
           <a:prstGeom prst="rect">
             <a:avLst/>
@@ -3160,7 +3625,41 @@
                 </a:solidFill>
                 <a:latin typeface="Algerian" pitchFamily="82" charset="0"/>
               </a:rPr>
-              <a:t>Basics Of  Computer</a:t>
+              <a:t>Fundamental</a:t>
+            </a:r>
+          </a:p>
+          <a:p>
+            <a:pPr algn="ctr"/>
+            <a:r>
+              <a:rPr lang="en-US" sz="6000" b="1" dirty="0" smtClean="0">
+                <a:ln w="28575">
+                  <a:solidFill>
+                    <a:schemeClr val="tx1"/>
+                  </a:solidFill>
+                </a:ln>
+                <a:solidFill>
+                  <a:schemeClr val="bg1"/>
+                </a:solidFill>
+                <a:latin typeface="Algerian" pitchFamily="82" charset="0"/>
+              </a:rPr>
+              <a:t> Of </a:t>
+            </a:r>
+          </a:p>
+          <a:p>
+            <a:pPr algn="ctr"/>
+            <a:r>
+              <a:rPr lang="en-US" sz="6000" b="1" dirty="0" smtClean="0">
+                <a:ln w="28575">
+                  <a:solidFill>
+                    <a:schemeClr val="tx1"/>
+                  </a:solidFill>
+                </a:ln>
+                <a:solidFill>
+                  <a:schemeClr val="bg1"/>
+                </a:solidFill>
+                <a:latin typeface="Algerian" pitchFamily="82" charset="0"/>
+              </a:rPr>
+              <a:t> Computer</a:t>
             </a:r>
             <a:endParaRPr lang="en-US" sz="6000" b="1" dirty="0">
               <a:ln w="28575">
@@ -3215,98 +3714,110 @@
       </p:grpSpPr>
       <p:sp>
         <p:nvSpPr>
-          <p:cNvPr id="3" name="Content Placeholder 2"/>
-          <p:cNvSpPr>
-            <a:spLocks noGrp="1"/>
-          </p:cNvSpPr>
-          <p:nvPr>
-            <p:ph idx="1"/>
-          </p:nvPr>
+          <p:cNvPr id="2" name="Rectangle 1"/>
+          <p:cNvSpPr/>
+          <p:nvPr/>
         </p:nvSpPr>
         <p:spPr>
           <a:xfrm>
-            <a:off x="457200" y="533400"/>
-            <a:ext cx="8229600" cy="5592763"/>
+            <a:off x="0" y="76200"/>
+            <a:ext cx="9144000" cy="5570756"/>
           </a:xfrm>
+          <a:prstGeom prst="rect">
+            <a:avLst/>
+          </a:prstGeom>
         </p:spPr>
         <p:txBody>
-          <a:bodyPr>
-            <a:normAutofit fontScale="85000" lnSpcReduction="20000"/>
+          <a:bodyPr wrap="square">
+            <a:spAutoFit/>
           </a:bodyPr>
           <a:lstStyle/>
           <a:p>
             <a:pPr algn="ctr"/>
             <a:r>
-              <a:rPr lang="en-US" sz="3800" b="1" u="sng" dirty="0"/>
-              <a:t>The main characteristics of first generation of computers (1940s-1950s)</a:t>
-            </a:r>
-          </a:p>
-          <a:p>
-            <a:pPr algn="just"/>
-            <a:r>
-              <a:rPr lang="en-US" dirty="0"/>
-              <a:t>Main electronic component – vacuum tube</a:t>
-            </a:r>
-          </a:p>
-          <a:p>
-            <a:pPr algn="just"/>
-            <a:r>
-              <a:rPr lang="en-US" dirty="0"/>
-              <a:t>Main memory – magnetic drums and magnetic tapes</a:t>
-            </a:r>
-          </a:p>
-          <a:p>
-            <a:pPr algn="just"/>
-            <a:r>
-              <a:rPr lang="en-US" dirty="0"/>
-              <a:t>Programming language – machine language</a:t>
-            </a:r>
-          </a:p>
-          <a:p>
-            <a:pPr algn="just"/>
-            <a:r>
-              <a:rPr lang="en-US" dirty="0"/>
-              <a:t>Power – consume a lot of electricity and generate a lot of heat.</a:t>
-            </a:r>
-          </a:p>
-          <a:p>
-            <a:pPr algn="just"/>
-            <a:r>
-              <a:rPr lang="en-US" dirty="0"/>
-              <a:t>Speed and size – very slow and very large in size (often taking up entire room).</a:t>
-            </a:r>
-          </a:p>
-          <a:p>
-            <a:pPr algn="just"/>
-            <a:r>
-              <a:rPr lang="en-US" dirty="0"/>
-              <a:t>Input/output devices – punched cards and paper tape.</a:t>
-            </a:r>
-          </a:p>
-          <a:p>
-            <a:pPr algn="just"/>
-            <a:r>
-              <a:rPr lang="en-US" dirty="0"/>
-              <a:t>Examples – ENIAC, UNIVAC1, IBM 650, IBM 701, etc.</a:t>
-            </a:r>
-          </a:p>
-          <a:p>
-            <a:pPr algn="just"/>
-            <a:r>
-              <a:rPr lang="en-US" dirty="0"/>
-              <a:t>Quantity – there were about 100 different vacuum tube computers produced between 1942 and1963.</a:t>
-            </a:r>
-          </a:p>
-          <a:p>
-            <a:pPr algn="just"/>
-            <a:endParaRPr lang="en-US" dirty="0"/>
+              <a:rPr lang="en-US" sz="4800" dirty="0" smtClean="0"/>
+              <a:t>Computer Memory</a:t>
+            </a:r>
+          </a:p>
+          <a:p>
+            <a:pPr algn="ctr"/>
+            <a:r>
+              <a:rPr lang="en-US" sz="2800" dirty="0" smtClean="0"/>
+              <a:t>	</a:t>
+            </a:r>
+          </a:p>
+          <a:p>
+            <a:r>
+              <a:rPr lang="en-US" sz="2800" dirty="0" smtClean="0"/>
+              <a:t>A </a:t>
+            </a:r>
+            <a:r>
+              <a:rPr lang="en-US" sz="2800" dirty="0"/>
+              <a:t>memory is just like a human brain. It is used to store data and instructions. Computer memory is the storage space in the computer, where data is to be processed and instructions required for processing are stored. </a:t>
+            </a:r>
+            <a:endParaRPr lang="en-US" sz="2800" dirty="0" smtClean="0"/>
+          </a:p>
+          <a:p>
+            <a:r>
+              <a:rPr lang="en-US" sz="2800" dirty="0" smtClean="0"/>
+              <a:t/>
+            </a:r>
+            <a:br>
+              <a:rPr lang="en-US" sz="2800" dirty="0" smtClean="0"/>
+            </a:br>
+            <a:endParaRPr lang="en-US" sz="2800" dirty="0"/>
+          </a:p>
+          <a:p>
+            <a:r>
+              <a:rPr lang="en-US" sz="2800" dirty="0" smtClean="0"/>
+              <a:t>Memory </a:t>
+            </a:r>
+            <a:r>
+              <a:rPr lang="en-US" sz="2800" dirty="0"/>
+              <a:t>is primarily of three types </a:t>
+            </a:r>
+            <a:r>
+              <a:rPr lang="en-US" sz="2800" dirty="0" smtClean="0"/>
+              <a:t>−</a:t>
+            </a:r>
+            <a:br>
+              <a:rPr lang="en-US" sz="2800" dirty="0" smtClean="0"/>
+            </a:br>
+            <a:r>
+              <a:rPr lang="en-US" sz="2800" dirty="0" smtClean="0"/>
+              <a:t>1) Cache </a:t>
+            </a:r>
+            <a:r>
+              <a:rPr lang="en-US" sz="2800" dirty="0"/>
+              <a:t>Memory</a:t>
+            </a:r>
+          </a:p>
+          <a:p>
+            <a:r>
+              <a:rPr lang="en-US" sz="2800" dirty="0" smtClean="0"/>
+              <a:t>2) Primary </a:t>
+            </a:r>
+            <a:r>
+              <a:rPr lang="en-US" sz="2800" dirty="0"/>
+              <a:t>Memory/Main Memory</a:t>
+            </a:r>
+          </a:p>
+          <a:p>
+            <a:r>
+              <a:rPr lang="en-US" sz="2800" dirty="0" smtClean="0"/>
+              <a:t>3) Secondary </a:t>
+            </a:r>
+            <a:r>
+              <a:rPr lang="en-US" sz="2800" dirty="0"/>
+              <a:t>Memory</a:t>
+            </a:r>
           </a:p>
         </p:txBody>
       </p:sp>
     </p:spTree>
     <p:extLst>
       <p:ext uri="{BB962C8B-B14F-4D97-AF65-F5344CB8AC3E}">
-        <p14:creationId xmlns:p14="http://schemas.microsoft.com/office/powerpoint/2010/main" val="4184146037"/>
+        <p14:creationId xmlns:p14="http://schemas.microsoft.com/office/powerpoint/2010/main" val="2894135409"/>
       </p:ext>
     </p:extLst>
   </p:cSld>
@@ -3340,108 +3851,34 @@
           <a:chExt cx="0" cy="0"/>
         </a:xfrm>
       </p:grpSpPr>
-      <p:sp>
-        <p:nvSpPr>
-          <p:cNvPr id="3" name="Content Placeholder 2"/>
-          <p:cNvSpPr>
-            <a:spLocks noGrp="1"/>
-          </p:cNvSpPr>
-          <p:nvPr>
-            <p:ph idx="1"/>
-          </p:nvPr>
-        </p:nvSpPr>
+      <p:pic>
+        <p:nvPicPr>
+          <p:cNvPr id="5" name="Picture 4"/>
+          <p:cNvPicPr>
+            <a:picLocks noChangeAspect="1"/>
+          </p:cNvPicPr>
+          <p:nvPr/>
+        </p:nvPicPr>
+        <p:blipFill>
+          <a:blip r:embed="rId2"/>
+          <a:stretch>
+            <a:fillRect/>
+          </a:stretch>
+        </p:blipFill>
         <p:spPr>
           <a:xfrm>
-            <a:off x="457200" y="381000"/>
-            <a:ext cx="8229600" cy="5745163"/>
+            <a:off x="380999" y="381000"/>
+            <a:ext cx="8294613" cy="5867400"/>
           </a:xfrm>
+          <a:prstGeom prst="rect">
+            <a:avLst/>
+          </a:prstGeom>
         </p:spPr>
-        <p:txBody>
-          <a:bodyPr>
-            <a:normAutofit fontScale="77500" lnSpcReduction="20000"/>
-          </a:bodyPr>
-          <a:lstStyle/>
-          <a:p>
-            <a:pPr algn="ctr"/>
-            <a:r>
-              <a:rPr lang="en-US" sz="4600" b="1" u="sng" dirty="0"/>
-              <a:t>Second Generation of Computers</a:t>
-            </a:r>
-          </a:p>
-          <a:p>
-            <a:pPr algn="just"/>
-            <a:r>
-              <a:rPr lang="en-US" b="1" dirty="0"/>
-              <a:t>The main characteristics of second generation of computers (1950s-1960s)</a:t>
-            </a:r>
-          </a:p>
-          <a:p>
-            <a:pPr algn="just"/>
-            <a:r>
-              <a:rPr lang="en-US" dirty="0"/>
-              <a:t>Main electronic component – transistor</a:t>
-            </a:r>
-          </a:p>
-          <a:p>
-            <a:pPr algn="just"/>
-            <a:r>
-              <a:rPr lang="en-US" dirty="0"/>
-              <a:t>Memory – magnetic core and magnetic tape / disk</a:t>
-            </a:r>
-          </a:p>
-          <a:p>
-            <a:pPr algn="just"/>
-            <a:r>
-              <a:rPr lang="en-US" dirty="0"/>
-              <a:t>Programming language – assembly language</a:t>
-            </a:r>
-          </a:p>
-          <a:p>
-            <a:pPr algn="just"/>
-            <a:r>
-              <a:rPr lang="en-US" dirty="0"/>
-              <a:t>Power and size – low power consumption, generated less heat, and smaller in size (in comparison with the first generation computers).</a:t>
-            </a:r>
-          </a:p>
-          <a:p>
-            <a:pPr algn="just"/>
-            <a:r>
-              <a:rPr lang="en-US" dirty="0"/>
-              <a:t>Speed – improvement of speed and reliability (in comparison with the first generation computers).</a:t>
-            </a:r>
-          </a:p>
-          <a:p>
-            <a:pPr algn="just"/>
-            <a:r>
-              <a:rPr lang="en-US" dirty="0"/>
-              <a:t>Input/output devices – punched cards and magnetic tape.</a:t>
-            </a:r>
-          </a:p>
-          <a:p>
-            <a:pPr algn="just"/>
-            <a:r>
-              <a:rPr lang="en-US" dirty="0"/>
-              <a:t>Examples </a:t>
-            </a:r>
-            <a:r>
-              <a:rPr lang="en-US" b="1" dirty="0"/>
-              <a:t>–</a:t>
-            </a:r>
-            <a:r>
-              <a:rPr lang="en-US" dirty="0"/>
-              <a:t> IBM 1401, IBM 7090 and 7094, UNIVAC 1107, etc.</a:t>
-            </a:r>
-          </a:p>
-          <a:p>
-            <a:pPr algn="just"/>
-            <a:endParaRPr lang="en-US" dirty="0"/>
-          </a:p>
-        </p:txBody>
-      </p:sp>
+      </p:pic>
     </p:spTree>
     <p:extLst>
       <p:ext uri="{BB962C8B-B14F-4D97-AF65-F5344CB8AC3E}">
-        <p14:creationId xmlns:p14="http://schemas.microsoft.com/office/powerpoint/2010/main" val="3916992044"/>
+        <p14:creationId xmlns:p14="http://schemas.microsoft.com/office/powerpoint/2010/main" val="3720070632"/>
       </p:ext>
     </p:extLst>
   </p:cSld>
@@ -3477,97 +3914,88 @@
       </p:grpSpPr>
       <p:sp>
         <p:nvSpPr>
-          <p:cNvPr id="3" name="Content Placeholder 2"/>
-          <p:cNvSpPr>
-            <a:spLocks noGrp="1"/>
-          </p:cNvSpPr>
-          <p:nvPr>
-            <p:ph idx="1"/>
-          </p:nvPr>
+          <p:cNvPr id="3" name="Rectangle 2"/>
+          <p:cNvSpPr/>
+          <p:nvPr/>
         </p:nvSpPr>
         <p:spPr>
           <a:xfrm>
-            <a:off x="457200" y="457200"/>
-            <a:ext cx="8229600" cy="5668963"/>
+            <a:off x="0" y="0"/>
+            <a:ext cx="9144000" cy="2554545"/>
           </a:xfrm>
+          <a:prstGeom prst="rect">
+            <a:avLst/>
+          </a:prstGeom>
         </p:spPr>
         <p:txBody>
-          <a:bodyPr>
-            <a:normAutofit fontScale="77500" lnSpcReduction="20000"/>
+          <a:bodyPr wrap="square">
+            <a:spAutoFit/>
           </a:bodyPr>
           <a:lstStyle/>
           <a:p>
             <a:pPr algn="ctr"/>
             <a:r>
-              <a:rPr lang="en-US" sz="5700" b="1" u="sng" dirty="0"/>
-              <a:t>Third Generation of Computers</a:t>
-            </a:r>
-          </a:p>
-          <a:p>
-            <a:r>
-              <a:rPr lang="en-US" b="1" dirty="0"/>
-              <a:t>The main characteristics of third generation of computers (1960s-1970s)</a:t>
-            </a:r>
-          </a:p>
-          <a:p>
-            <a:r>
-              <a:rPr lang="en-US" dirty="0"/>
-              <a:t>Main electronic component – integrated circuits (ICs)</a:t>
-            </a:r>
-          </a:p>
-          <a:p>
-            <a:r>
-              <a:rPr lang="en-US" dirty="0"/>
-              <a:t>Memory – large magnetic core, magnetic tape / disk</a:t>
-            </a:r>
-          </a:p>
-          <a:p>
-            <a:r>
-              <a:rPr lang="en-US" dirty="0"/>
-              <a:t>Programming language – high level language (FORTRAN, BASIC, Pascal, COBOL, C, etc.)</a:t>
-            </a:r>
-          </a:p>
-          <a:p>
-            <a:r>
-              <a:rPr lang="en-US" dirty="0"/>
-              <a:t>Size – smaller, cheaper, and more efficient than second generation computers (they were called minicomputers).</a:t>
-            </a:r>
-          </a:p>
-          <a:p>
-            <a:r>
-              <a:rPr lang="en-US" dirty="0"/>
-              <a:t>Speed – improvement of speed and reliability (in comparison with the second generation computers).</a:t>
-            </a:r>
-          </a:p>
-          <a:p>
-            <a:r>
-              <a:rPr lang="en-US" dirty="0"/>
-              <a:t>Input / output devices – magnetic tape, keyboard, monitor, printer, etc.</a:t>
-            </a:r>
-          </a:p>
-          <a:p>
-            <a:r>
-              <a:rPr lang="en-US" dirty="0"/>
-              <a:t>Examples </a:t>
-            </a:r>
-            <a:r>
-              <a:rPr lang="en-US" b="1" dirty="0"/>
-              <a:t>–</a:t>
-            </a:r>
-            <a:r>
-              <a:rPr lang="en-US" dirty="0"/>
-              <a:t> IBM 360, IBM 370, PDP-11, UNIVAC 1108, etc.</a:t>
-            </a:r>
-          </a:p>
-          <a:p>
-            <a:endParaRPr lang="en-US" dirty="0"/>
-          </a:p>
-        </p:txBody>
-      </p:sp>
+              <a:rPr lang="en-US" sz="3200" dirty="0">
+                <a:latin typeface="Heebo"/>
+              </a:rPr>
+              <a:t>Cache </a:t>
+            </a:r>
+            <a:r>
+              <a:rPr lang="en-US" sz="3200" dirty="0" smtClean="0">
+                <a:latin typeface="Heebo"/>
+              </a:rPr>
+              <a:t>Memory</a:t>
+            </a:r>
+          </a:p>
+          <a:p>
+            <a:pPr algn="ctr"/>
+            <a:endParaRPr lang="en-US" sz="3200" dirty="0">
+              <a:latin typeface="Heebo"/>
+            </a:endParaRPr>
+          </a:p>
+          <a:p>
+            <a:pPr algn="just"/>
+            <a:r>
+              <a:rPr lang="en-US" sz="2400" dirty="0">
+                <a:latin typeface="Nunito"/>
+              </a:rPr>
+              <a:t>Cache memory is a very high speed semiconductor memory which can speed up the CPU. It acts as a buffer between the CPU and the main memory. It is used to hold those parts of data and program which are most frequently used by the CPU</a:t>
+            </a:r>
+            <a:endParaRPr lang="en-US" sz="2400" b="0" i="0" dirty="0">
+              <a:effectLst/>
+              <a:latin typeface="Nunito"/>
+            </a:endParaRPr>
+          </a:p>
+        </p:txBody>
+      </p:sp>
+      <p:pic>
+        <p:nvPicPr>
+          <p:cNvPr id="5" name="Picture 4"/>
+          <p:cNvPicPr>
+            <a:picLocks noChangeAspect="1"/>
+          </p:cNvPicPr>
+          <p:nvPr/>
+        </p:nvPicPr>
+        <p:blipFill>
+          <a:blip r:embed="rId2"/>
+          <a:stretch>
+            <a:fillRect/>
+          </a:stretch>
+        </p:blipFill>
+        <p:spPr>
+          <a:xfrm>
+            <a:off x="685800" y="2701815"/>
+            <a:ext cx="7696200" cy="4079985"/>
+          </a:xfrm>
+          <a:prstGeom prst="rect">
+            <a:avLst/>
+          </a:prstGeom>
+        </p:spPr>
+      </p:pic>
     </p:spTree>
     <p:extLst>
       <p:ext uri="{BB962C8B-B14F-4D97-AF65-F5344CB8AC3E}">
-        <p14:creationId xmlns:p14="http://schemas.microsoft.com/office/powerpoint/2010/main" val="894794448"/>
+        <p14:creationId xmlns:p14="http://schemas.microsoft.com/office/powerpoint/2010/main" val="1064935132"/>
       </p:ext>
     </p:extLst>
   </p:cSld>
@@ -3603,140 +4031,117 @@
       </p:grpSpPr>
       <p:sp>
         <p:nvSpPr>
-          <p:cNvPr id="3" name="Content Placeholder 2"/>
-          <p:cNvSpPr>
-            <a:spLocks noGrp="1"/>
-          </p:cNvSpPr>
-          <p:nvPr>
-            <p:ph idx="1"/>
-          </p:nvPr>
+          <p:cNvPr id="4" name="Rectangle 3"/>
+          <p:cNvSpPr/>
+          <p:nvPr/>
         </p:nvSpPr>
         <p:spPr>
           <a:xfrm>
-            <a:off x="457200" y="228600"/>
-            <a:ext cx="8229600" cy="6248400"/>
+            <a:off x="38100" y="381000"/>
+            <a:ext cx="4572000" cy="6617196"/>
           </a:xfrm>
+          <a:prstGeom prst="rect">
+            <a:avLst/>
+          </a:prstGeom>
         </p:spPr>
         <p:txBody>
           <a:bodyPr>
-            <a:normAutofit fontScale="47500" lnSpcReduction="20000"/>
+            <a:spAutoFit/>
           </a:bodyPr>
           <a:lstStyle/>
           <a:p>
-            <a:pPr marL="0" indent="0" algn="ctr">
-              <a:buNone/>
-            </a:pPr>
-            <a:r>
-              <a:rPr lang="en-US" sz="8400" b="1" u="sng" dirty="0"/>
-              <a:t>Fourth Generation of Computers</a:t>
-            </a:r>
-          </a:p>
-          <a:p>
-            <a:r>
-              <a:rPr lang="en-US" sz="4000" b="1" dirty="0"/>
-              <a:t>The main characteristics of fourth generation of computers (1970s-present)</a:t>
-            </a:r>
-          </a:p>
-          <a:p>
-            <a:r>
-              <a:rPr lang="en-US" sz="4000" dirty="0"/>
-              <a:t>Main electronic component – very large-scale integration (VLSI) and microprocessor.</a:t>
-            </a:r>
-          </a:p>
-          <a:p>
-            <a:r>
-              <a:rPr lang="en-US" sz="4000" dirty="0"/>
-              <a:t>VLSI– thousands of transistors on a single microchip.</a:t>
-            </a:r>
-          </a:p>
-          <a:p>
-            <a:r>
-              <a:rPr lang="en-US" sz="4000" dirty="0"/>
-              <a:t>Memory – semiconductor memory (such as RAM, ROM, etc.) </a:t>
-            </a:r>
-          </a:p>
-          <a:p>
-            <a:pPr lvl="1"/>
-            <a:r>
-              <a:rPr lang="en-US" sz="4000" dirty="0"/>
-              <a:t>RAM (random-access memory) – a type of data storage (memory element) used in computers that temporary stores of programs and data (volatile: its contents are lost when the computer is turned off).</a:t>
-            </a:r>
-          </a:p>
-          <a:p>
-            <a:pPr lvl="1"/>
-            <a:r>
-              <a:rPr lang="en-US" sz="4000" dirty="0"/>
-              <a:t>ROM (read-only memory) – a type of data storage used in computers that permanently stores data and programs (non-volatile: its contents are retained even when the computer is turned off).</a:t>
-            </a:r>
-          </a:p>
-          <a:p>
-            <a:r>
-              <a:rPr lang="en-US" sz="4000" dirty="0"/>
-              <a:t>Programming language – high level language (Python, C#, Java, JavaScript, Rust, </a:t>
-            </a:r>
-            <a:r>
-              <a:rPr lang="en-US" sz="4000" dirty="0" err="1"/>
-              <a:t>Kotlin</a:t>
-            </a:r>
-            <a:r>
-              <a:rPr lang="en-US" sz="4000" dirty="0"/>
-              <a:t>, etc.). </a:t>
-            </a:r>
-          </a:p>
-          <a:p>
-            <a:pPr lvl="1"/>
-            <a:r>
-              <a:rPr lang="en-US" sz="4000" dirty="0"/>
-              <a:t>A mix of both third- and fourth-generation languages</a:t>
-            </a:r>
-          </a:p>
-          <a:p>
-            <a:r>
-              <a:rPr lang="en-US" sz="4000" dirty="0"/>
-              <a:t>Size – smaller, cheaper and more efficient than third generation computers.</a:t>
-            </a:r>
-          </a:p>
-          <a:p>
-            <a:r>
-              <a:rPr lang="en-US" sz="4000" dirty="0"/>
-              <a:t>Speed – improvement of speed, accuracy, and reliability (in comparison with the third generation computers).</a:t>
-            </a:r>
-          </a:p>
-          <a:p>
-            <a:r>
-              <a:rPr lang="en-US" sz="4000" dirty="0"/>
-              <a:t>Input / output devices – keyboard, pointing devices, optical scanning, monitor, printer, etc.</a:t>
-            </a:r>
-          </a:p>
-          <a:p>
-            <a:r>
-              <a:rPr lang="en-US" sz="4000" dirty="0"/>
-              <a:t>Network – a group of two or more computer systems linked together.</a:t>
-            </a:r>
-          </a:p>
-          <a:p>
-            <a:r>
-              <a:rPr lang="en-US" sz="4000" dirty="0"/>
-              <a:t>Examples </a:t>
-            </a:r>
-            <a:r>
-              <a:rPr lang="en-US" sz="4000" b="1" dirty="0"/>
-              <a:t>– </a:t>
-            </a:r>
-            <a:r>
-              <a:rPr lang="en-US" sz="4000" dirty="0"/>
-              <a:t>IBM PC, STAR 1000, APPLE II, Apple Macintosh, etc.</a:t>
-            </a:r>
-          </a:p>
-          <a:p>
-            <a:endParaRPr lang="en-US" dirty="0"/>
-          </a:p>
-        </p:txBody>
-      </p:sp>
+            <a:pPr algn="ctr"/>
+            <a:r>
+              <a:rPr lang="en-US" sz="3600" b="1" dirty="0">
+                <a:latin typeface="Heebo"/>
+              </a:rPr>
+              <a:t>Primary Memory (Main Memory</a:t>
+            </a:r>
+            <a:r>
+              <a:rPr lang="en-US" sz="3600" b="1" dirty="0" smtClean="0">
+                <a:latin typeface="Heebo"/>
+              </a:rPr>
+              <a:t>)</a:t>
+            </a:r>
+          </a:p>
+          <a:p>
+            <a:endParaRPr lang="en-US" sz="3200" dirty="0">
+              <a:latin typeface="Heebo"/>
+            </a:endParaRPr>
+          </a:p>
+          <a:p>
+            <a:pPr algn="just"/>
+            <a:r>
+              <a:rPr lang="en-US" sz="3200" dirty="0">
+                <a:latin typeface="Nunito"/>
+              </a:rPr>
+              <a:t>Primary memory holds only those data and instructions on which the computer is currently working. It has a limited capacity and data is lost when power is switched off. It is generally made up of semiconductor device</a:t>
+            </a:r>
+            <a:r>
+              <a:rPr lang="en-US" dirty="0">
+                <a:latin typeface="Nunito"/>
+              </a:rPr>
+              <a:t>.</a:t>
+            </a:r>
+            <a:endParaRPr lang="en-US" b="0" i="0" dirty="0">
+              <a:effectLst/>
+              <a:latin typeface="Nunito"/>
+            </a:endParaRPr>
+          </a:p>
+        </p:txBody>
+      </p:sp>
+      <p:pic>
+        <p:nvPicPr>
+          <p:cNvPr id="2" name="Picture 1"/>
+          <p:cNvPicPr>
+            <a:picLocks noChangeAspect="1"/>
+          </p:cNvPicPr>
+          <p:nvPr/>
+        </p:nvPicPr>
+        <p:blipFill>
+          <a:blip r:embed="rId2"/>
+          <a:stretch>
+            <a:fillRect/>
+          </a:stretch>
+        </p:blipFill>
+        <p:spPr>
+          <a:xfrm>
+            <a:off x="4724399" y="5442"/>
+            <a:ext cx="4378841" cy="3347357"/>
+          </a:xfrm>
+          <a:prstGeom prst="rect">
+            <a:avLst/>
+          </a:prstGeom>
+        </p:spPr>
+      </p:pic>
+      <p:pic>
+        <p:nvPicPr>
+          <p:cNvPr id="6" name="Picture 5"/>
+          <p:cNvPicPr>
+            <a:picLocks noChangeAspect="1"/>
+          </p:cNvPicPr>
+          <p:nvPr/>
+        </p:nvPicPr>
+        <p:blipFill>
+          <a:blip r:embed="rId3"/>
+          <a:stretch>
+            <a:fillRect/>
+          </a:stretch>
+        </p:blipFill>
+        <p:spPr>
+          <a:xfrm>
+            <a:off x="4765158" y="3352799"/>
+            <a:ext cx="4378842" cy="3505201"/>
+          </a:xfrm>
+          <a:prstGeom prst="rect">
+            <a:avLst/>
+          </a:prstGeom>
+        </p:spPr>
+      </p:pic>
     </p:spTree>
     <p:extLst>
       <p:ext uri="{BB962C8B-B14F-4D97-AF65-F5344CB8AC3E}">
-        <p14:creationId xmlns:p14="http://schemas.microsoft.com/office/powerpoint/2010/main" val="2654055436"/>
+        <p14:creationId xmlns:p14="http://schemas.microsoft.com/office/powerpoint/2010/main" val="414488695"/>
       </p:ext>
     </p:extLst>
   </p:cSld>
@@ -3772,154 +4177,100 @@
       </p:grpSpPr>
       <p:sp>
         <p:nvSpPr>
-          <p:cNvPr id="3" name="Content Placeholder 2"/>
-          <p:cNvSpPr>
-            <a:spLocks noGrp="1"/>
-          </p:cNvSpPr>
-          <p:nvPr>
-            <p:ph idx="1"/>
-          </p:nvPr>
+          <p:cNvPr id="2" name="Rectangle 1"/>
+          <p:cNvSpPr/>
+          <p:nvPr/>
         </p:nvSpPr>
         <p:spPr>
           <a:xfrm>
-            <a:off x="457200" y="228600"/>
-            <a:ext cx="8229600" cy="6324600"/>
+            <a:off x="0" y="0"/>
+            <a:ext cx="5105400" cy="6740307"/>
           </a:xfrm>
+          <a:prstGeom prst="rect">
+            <a:avLst/>
+          </a:prstGeom>
         </p:spPr>
         <p:txBody>
-          <a:bodyPr>
-            <a:normAutofit fontScale="70000" lnSpcReduction="20000"/>
+          <a:bodyPr wrap="square">
+            <a:spAutoFit/>
           </a:bodyPr>
           <a:lstStyle/>
           <a:p>
             <a:pPr algn="ctr"/>
             <a:r>
-              <a:rPr lang="en-US" sz="5100" b="1" u="sng" dirty="0"/>
-              <a:t>Fifth Generation of Computers</a:t>
-            </a:r>
+              <a:rPr lang="en-US" sz="4000" b="1" dirty="0">
+                <a:latin typeface="Heebo"/>
+              </a:rPr>
+              <a:t>Secondary </a:t>
+            </a:r>
+            <a:r>
+              <a:rPr lang="en-US" sz="4000" b="1" dirty="0" smtClean="0">
+                <a:latin typeface="Heebo"/>
+              </a:rPr>
+              <a:t>Memory</a:t>
+            </a:r>
+          </a:p>
+          <a:p>
+            <a:pPr algn="ctr"/>
+            <a:endParaRPr lang="en-US" sz="4000" dirty="0">
+              <a:latin typeface="Heebo"/>
+            </a:endParaRPr>
           </a:p>
           <a:p>
             <a:pPr algn="just"/>
             <a:r>
-              <a:rPr lang="en-US" b="1" dirty="0"/>
-              <a:t>The main characteristics of fifth generation of computers (the present and the future)</a:t>
-            </a:r>
-          </a:p>
-          <a:p>
-            <a:pPr algn="just"/>
-            <a:r>
-              <a:rPr lang="en-US" dirty="0"/>
-              <a:t>Main electronic component: based on artificial intelligence, uses the Ultra Large-Scale Integration (ULSI) technology and parallel processing method. </a:t>
-            </a:r>
-          </a:p>
-          <a:p>
-            <a:pPr lvl="1" algn="just"/>
-            <a:r>
-              <a:rPr lang="en-US" b="1" dirty="0"/>
-              <a:t>ULSI</a:t>
-            </a:r>
-            <a:r>
-              <a:rPr lang="en-US" dirty="0"/>
-              <a:t> – millions of transistors on a single microchip</a:t>
-            </a:r>
-          </a:p>
-          <a:p>
-            <a:pPr lvl="1" algn="just"/>
-            <a:r>
-              <a:rPr lang="en-US" b="1" dirty="0"/>
-              <a:t>Parallel processing method</a:t>
-            </a:r>
-            <a:r>
-              <a:rPr lang="en-US" dirty="0"/>
-              <a:t> – use two or more microprocessors to run tasks simultaneously.</a:t>
-            </a:r>
-          </a:p>
-          <a:p>
-            <a:pPr algn="just"/>
-            <a:r>
-              <a:rPr lang="en-US" dirty="0"/>
-              <a:t>Language – understand natural language (human language).</a:t>
-            </a:r>
-          </a:p>
-          <a:p>
-            <a:pPr algn="just"/>
-            <a:r>
-              <a:rPr lang="en-US" dirty="0"/>
-              <a:t>Power – consume less power and generate less heat.</a:t>
-            </a:r>
-          </a:p>
-          <a:p>
-            <a:pPr algn="just"/>
-            <a:r>
-              <a:rPr lang="en-US" dirty="0"/>
-              <a:t>Speed – remarkable improvement of speed, accuracy and reliability (in comparison with the fourth generation computers).</a:t>
-            </a:r>
-          </a:p>
-          <a:p>
-            <a:pPr algn="just"/>
-            <a:r>
-              <a:rPr lang="en-US" dirty="0"/>
-              <a:t>Size – portable and small in size, and have a huge storage capacity.</a:t>
-            </a:r>
-          </a:p>
-          <a:p>
-            <a:pPr algn="just"/>
-            <a:r>
-              <a:rPr lang="en-US" dirty="0"/>
-              <a:t>Input / output device – keyboard, monitor, mouse, </a:t>
-            </a:r>
-            <a:r>
-              <a:rPr lang="en-US" dirty="0" err="1"/>
-              <a:t>trackpad</a:t>
-            </a:r>
-            <a:r>
-              <a:rPr lang="en-US" dirty="0"/>
-              <a:t> (or touchpad), touchscreen, pen, speech input (</a:t>
-            </a:r>
-            <a:r>
-              <a:rPr lang="en-US" dirty="0" err="1"/>
-              <a:t>recognise</a:t>
-            </a:r>
-            <a:r>
-              <a:rPr lang="en-US" dirty="0"/>
-              <a:t> voice / speech), light scanner, printer, etc.</a:t>
-            </a:r>
-          </a:p>
-          <a:p>
-            <a:pPr algn="just"/>
-            <a:r>
-              <a:rPr lang="en-US" dirty="0"/>
-              <a:t>Example </a:t>
-            </a:r>
-            <a:r>
-              <a:rPr lang="en-US" b="1" dirty="0"/>
-              <a:t>–</a:t>
-            </a:r>
-            <a:r>
-              <a:rPr lang="en-US" dirty="0"/>
-              <a:t> desktops, laptops, </a:t>
-            </a:r>
-            <a:r>
-              <a:rPr lang="en-US" dirty="0" smtClean="0"/>
-              <a:t>tablets</a:t>
-            </a:r>
-            <a:r>
-              <a:rPr lang="en-US" dirty="0"/>
-              <a:t>, smartphones, etc.</a:t>
-            </a:r>
-          </a:p>
-          <a:p>
-            <a:pPr marL="0" indent="0" algn="just">
-              <a:buNone/>
-            </a:pPr>
-            <a:endParaRPr lang="en-US" dirty="0"/>
-          </a:p>
-        </p:txBody>
-      </p:sp>
+              <a:rPr lang="en-US" sz="3200" dirty="0">
+                <a:latin typeface="Nunito"/>
+              </a:rPr>
+              <a:t>This type of memory is also known as external memory </a:t>
+            </a:r>
+            <a:r>
+              <a:rPr lang="en-US" sz="3200" dirty="0" smtClean="0">
+                <a:latin typeface="Nunito"/>
+              </a:rPr>
+              <a:t>. </a:t>
+            </a:r>
+            <a:r>
+              <a:rPr lang="en-US" sz="3200" dirty="0">
+                <a:latin typeface="Nunito"/>
+              </a:rPr>
+              <a:t>It is slower than the main memory. These are used for storing data/information permanently. CPU directly does not access these memories, instead they are accessed via input-output routines.</a:t>
+            </a:r>
+            <a:endParaRPr lang="en-US" sz="3200" b="0" i="0" dirty="0">
+              <a:effectLst/>
+              <a:latin typeface="Nunito"/>
+            </a:endParaRPr>
+          </a:p>
+        </p:txBody>
+      </p:sp>
+      <p:pic>
+        <p:nvPicPr>
+          <p:cNvPr id="5" name="Picture 4"/>
+          <p:cNvPicPr>
+            <a:picLocks noChangeAspect="1"/>
+          </p:cNvPicPr>
+          <p:nvPr/>
+        </p:nvPicPr>
+        <p:blipFill>
+          <a:blip r:embed="rId2"/>
+          <a:stretch>
+            <a:fillRect/>
+          </a:stretch>
+        </p:blipFill>
+        <p:spPr>
+          <a:xfrm>
+            <a:off x="5293813" y="1066800"/>
+            <a:ext cx="3812087" cy="5029200"/>
+          </a:xfrm>
+          <a:prstGeom prst="rect">
+            <a:avLst/>
+          </a:prstGeom>
+        </p:spPr>
+      </p:pic>
     </p:spTree>
     <p:extLst>
       <p:ext uri="{BB962C8B-B14F-4D97-AF65-F5344CB8AC3E}">
-        <p14:creationId xmlns:p14="http://schemas.microsoft.com/office/powerpoint/2010/main" val="2540931396"/>
+        <p14:creationId xmlns:p14="http://schemas.microsoft.com/office/powerpoint/2010/main" val="2883123814"/>
       </p:ext>
     </p:extLst>
   </p:cSld>
@@ -3971,80 +4322,66 @@
         </p:spPr>
         <p:txBody>
           <a:bodyPr>
-            <a:normAutofit fontScale="92500" lnSpcReduction="20000"/>
+            <a:normAutofit lnSpcReduction="10000"/>
           </a:bodyPr>
           <a:lstStyle/>
           <a:p>
+            <a:pPr algn="ctr"/>
+            <a:r>
+              <a:rPr lang="en-US" sz="4400" b="1" dirty="0"/>
+              <a:t>Data </a:t>
+            </a:r>
+            <a:r>
+              <a:rPr lang="en-US" sz="4400" b="1" dirty="0" smtClean="0"/>
+              <a:t>storage </a:t>
+            </a:r>
+            <a:r>
+              <a:rPr lang="en-US" sz="4400" b="1" dirty="0"/>
+              <a:t>capacity units of </a:t>
+            </a:r>
+            <a:r>
+              <a:rPr lang="en-US" sz="4400" b="1" dirty="0" smtClean="0"/>
+              <a:t>measurement</a:t>
+            </a:r>
+          </a:p>
+          <a:p>
+            <a:endParaRPr lang="en-US" b="1" dirty="0" smtClean="0"/>
+          </a:p>
+          <a:p>
             <a:r>
               <a:rPr lang="en-US" b="1" dirty="0"/>
-              <a:t>Data </a:t>
+              <a:t>1 Nibble </a:t>
             </a:r>
             <a:r>
               <a:rPr lang="en-US" b="1" dirty="0" smtClean="0"/>
-              <a:t>storage </a:t>
+              <a:t>		 =	 </a:t>
             </a:r>
             <a:r>
               <a:rPr lang="en-US" b="1" dirty="0"/>
-              <a:t>capacity units of </a:t>
+              <a:t>4 Bit</a:t>
+            </a:r>
+            <a:endParaRPr lang="en-US" dirty="0"/>
+          </a:p>
+          <a:p>
+            <a:r>
+              <a:rPr lang="en-US" b="1" dirty="0"/>
+              <a:t>8 </a:t>
             </a:r>
             <a:r>
               <a:rPr lang="en-US" b="1" dirty="0" smtClean="0"/>
-              <a:t>measurement</a:t>
-            </a:r>
-          </a:p>
-          <a:p>
+              <a:t>Bits			 </a:t>
+            </a:r>
             <a:r>
               <a:rPr lang="en-US" b="1" dirty="0"/>
-              <a:t>1 Nibble = 4 Bit</a:t>
-            </a:r>
-            <a:endParaRPr lang="en-US" dirty="0"/>
-          </a:p>
-          <a:p>
+              <a:t>= </a:t>
+            </a:r>
+            <a:r>
+              <a:rPr lang="en-US" b="1" dirty="0" smtClean="0"/>
+              <a:t>	1 </a:t>
+            </a:r>
             <a:r>
               <a:rPr lang="en-US" b="1" dirty="0"/>
-              <a:t>8 Bits = 1 Byte</a:t>
-            </a:r>
-            <a:endParaRPr lang="en-US" dirty="0"/>
-          </a:p>
-          <a:p>
-            <a:r>
-              <a:rPr lang="en-US" b="1" dirty="0"/>
-              <a:t>1024 Bytes = 1 Kilobyte</a:t>
-            </a:r>
-            <a:endParaRPr lang="en-US" dirty="0"/>
-          </a:p>
-          <a:p>
-            <a:r>
-              <a:rPr lang="en-US" b="1" dirty="0"/>
-              <a:t>1024 Kilobytes = 1 Megabyte</a:t>
-            </a:r>
-            <a:endParaRPr lang="en-US" dirty="0"/>
-          </a:p>
-          <a:p>
-            <a:r>
-              <a:rPr lang="en-US" b="1" dirty="0"/>
-              <a:t>1024 Megabytes = 1 Gigabyte</a:t>
-            </a:r>
-            <a:endParaRPr lang="en-US" dirty="0"/>
-          </a:p>
-          <a:p>
-            <a:r>
-              <a:rPr lang="en-US" b="1" dirty="0"/>
-              <a:t>1024 Gigabytes = 1 Terabyte</a:t>
-            </a:r>
-            <a:endParaRPr lang="en-US" dirty="0"/>
-          </a:p>
-          <a:p>
-            <a:r>
-              <a:rPr lang="en-US" b="1" dirty="0"/>
-              <a:t>1024 Terabytes = 1 Petabyte</a:t>
-            </a:r>
-            <a:endParaRPr lang="en-US" dirty="0"/>
-          </a:p>
-          <a:p>
-            <a:r>
-              <a:rPr lang="en-US" b="1" dirty="0"/>
-              <a:t>1024 Petabytes = 1 Exabyte</a:t>
+              <a:t>Byte</a:t>
             </a:r>
             <a:endParaRPr lang="en-US" dirty="0"/>
           </a:p>
@@ -4055,11 +4392,56 @@
             </a:r>
             <a:r>
               <a:rPr lang="en-US" b="1" dirty="0" smtClean="0"/>
-              <a:t>Exabyte's </a:t>
+              <a:t>Bytes		 =	 </a:t>
             </a:r>
             <a:r>
               <a:rPr lang="en-US" b="1" dirty="0"/>
-              <a:t>= 1 Zettabyte</a:t>
+              <a:t>1 Kilobyte</a:t>
+            </a:r>
+            <a:endParaRPr lang="en-US" dirty="0"/>
+          </a:p>
+          <a:p>
+            <a:r>
+              <a:rPr lang="en-US" b="1" dirty="0"/>
+              <a:t>1024 Kilobytes </a:t>
+            </a:r>
+            <a:r>
+              <a:rPr lang="en-US" b="1" dirty="0" smtClean="0"/>
+              <a:t>	 = 	1 </a:t>
+            </a:r>
+            <a:r>
+              <a:rPr lang="en-US" b="1" dirty="0"/>
+              <a:t>Megabyte</a:t>
+            </a:r>
+            <a:endParaRPr lang="en-US" dirty="0"/>
+          </a:p>
+          <a:p>
+            <a:r>
+              <a:rPr lang="en-US" b="1" dirty="0"/>
+              <a:t>1024 Megabytes </a:t>
+            </a:r>
+            <a:r>
+              <a:rPr lang="en-US" b="1" dirty="0" smtClean="0"/>
+              <a:t> 	 = 	1 </a:t>
+            </a:r>
+            <a:r>
+              <a:rPr lang="en-US" b="1" dirty="0"/>
+              <a:t>Gigabyte</a:t>
+            </a:r>
+            <a:endParaRPr lang="en-US" dirty="0"/>
+          </a:p>
+          <a:p>
+            <a:r>
+              <a:rPr lang="en-US" b="1" dirty="0"/>
+              <a:t>1024 Gigabytes </a:t>
+            </a:r>
+            <a:r>
+              <a:rPr lang="en-US" b="1" dirty="0" smtClean="0"/>
+              <a:t>	 =	 </a:t>
+            </a:r>
+            <a:r>
+              <a:rPr lang="en-US" b="1" dirty="0"/>
+              <a:t>1 Terabyte</a:t>
             </a:r>
             <a:endParaRPr lang="en-US" dirty="0"/>
           </a:p>
@@ -4070,29 +4452,34 @@
             </a:r>
             <a:r>
               <a:rPr lang="en-US" b="1" dirty="0" smtClean="0"/>
-              <a:t>Petabytes </a:t>
+              <a:t>Terabytes	 </a:t>
             </a:r>
             <a:r>
               <a:rPr lang="en-US" b="1" dirty="0"/>
-              <a:t>= 1 Yottabyte</a:t>
+              <a:t>= </a:t>
+            </a:r>
+            <a:r>
+              <a:rPr lang="en-US" b="1" dirty="0" smtClean="0"/>
+              <a:t>	1 </a:t>
+            </a:r>
+            <a:r>
+              <a:rPr lang="en-US" b="1" dirty="0"/>
+              <a:t>Petabyte</a:t>
             </a:r>
             <a:endParaRPr lang="en-US" dirty="0"/>
           </a:p>
           <a:p>
             <a:r>
               <a:rPr lang="en-US" b="1" dirty="0"/>
-              <a:t>1024 Yottabytes = 1 Brontobyte</a:t>
-            </a:r>
-            <a:endParaRPr lang="en-US" dirty="0"/>
-          </a:p>
-          <a:p>
+              <a:t>1024 </a:t>
+            </a:r>
+            <a:r>
+              <a:rPr lang="en-US" b="1" dirty="0" smtClean="0"/>
+              <a:t>Petabytes	 =	 </a:t>
+            </a:r>
             <a:r>
               <a:rPr lang="en-US" b="1" dirty="0"/>
-              <a:t>1024 Brontobytes = 1 </a:t>
-            </a:r>
-            <a:r>
-              <a:rPr lang="en-US" b="1" dirty="0" err="1" smtClean="0"/>
-              <a:t>Geopbyte</a:t>
+              <a:t>1 Exabyte</a:t>
             </a:r>
             <a:endParaRPr lang="en-US" dirty="0"/>
           </a:p>
@@ -4106,6 +4493,338 @@
     <p:extLst>
       <p:ext uri="{BB962C8B-B14F-4D97-AF65-F5344CB8AC3E}">
         <p14:creationId xmlns:p14="http://schemas.microsoft.com/office/powerpoint/2010/main" val="3314369306"/>
+      </p:ext>
+    </p:extLst>
+  </p:cSld>
+  <p:clrMapOvr>
+    <a:masterClrMapping/>
+  </p:clrMapOvr>
+  <p:timing>
+    <p:tnLst>
+      <p:par>
+        <p:cTn id="1" dur="indefinite" restart="never" nodeType="tmRoot"/>
+      </p:par>
+    </p:tnLst>
+  </p:timing>
+</p:sld>
+</file>
+
+<file path=ppt/slides/slide16.xml><?xml version="1.0" encoding="utf-8"?>
+<p:sld xmlns:a="http://schemas.openxmlformats.org/drawingml/2006/main" xmlns:r="http://schemas.openxmlformats.org/officeDocument/2006/relationships" xmlns:p="http://schemas.openxmlformats.org/presentationml/2006/main">
+  <p:cSld>
+    <p:spTree>
+      <p:nvGrpSpPr>
+        <p:cNvPr id="1" name=""/>
+        <p:cNvGrpSpPr/>
+        <p:nvPr/>
+      </p:nvGrpSpPr>
+      <p:grpSpPr>
+        <a:xfrm>
+          <a:off x="0" y="0"/>
+          <a:ext cx="0" cy="0"/>
+          <a:chOff x="0" y="0"/>
+          <a:chExt cx="0" cy="0"/>
+        </a:xfrm>
+      </p:grpSpPr>
+      <p:pic>
+        <p:nvPicPr>
+          <p:cNvPr id="4" name="Picture 3"/>
+          <p:cNvPicPr>
+            <a:picLocks noChangeAspect="1"/>
+          </p:cNvPicPr>
+          <p:nvPr/>
+        </p:nvPicPr>
+        <p:blipFill>
+          <a:blip r:embed="rId2"/>
+          <a:stretch>
+            <a:fillRect/>
+          </a:stretch>
+        </p:blipFill>
+        <p:spPr>
+          <a:xfrm>
+            <a:off x="19050" y="0"/>
+            <a:ext cx="9124950" cy="7086600"/>
+          </a:xfrm>
+          <a:prstGeom prst="rect">
+            <a:avLst/>
+          </a:prstGeom>
+        </p:spPr>
+      </p:pic>
+    </p:spTree>
+    <p:extLst>
+      <p:ext uri="{BB962C8B-B14F-4D97-AF65-F5344CB8AC3E}">
+        <p14:creationId xmlns:p14="http://schemas.microsoft.com/office/powerpoint/2010/main" val="2562169821"/>
+      </p:ext>
+    </p:extLst>
+  </p:cSld>
+  <p:clrMapOvr>
+    <a:masterClrMapping/>
+  </p:clrMapOvr>
+  <p:timing>
+    <p:tnLst>
+      <p:par>
+        <p:cTn id="1" dur="indefinite" restart="never" nodeType="tmRoot"/>
+      </p:par>
+    </p:tnLst>
+  </p:timing>
+</p:sld>
+</file>
+
+<file path=ppt/slides/slide17.xml><?xml version="1.0" encoding="utf-8"?>
+<p:sld xmlns:a="http://schemas.openxmlformats.org/drawingml/2006/main" xmlns:r="http://schemas.openxmlformats.org/officeDocument/2006/relationships" xmlns:p="http://schemas.openxmlformats.org/presentationml/2006/main">
+  <p:cSld>
+    <p:spTree>
+      <p:nvGrpSpPr>
+        <p:cNvPr id="1" name=""/>
+        <p:cNvGrpSpPr/>
+        <p:nvPr/>
+      </p:nvGrpSpPr>
+      <p:grpSpPr>
+        <a:xfrm>
+          <a:off x="0" y="0"/>
+          <a:ext cx="0" cy="0"/>
+          <a:chOff x="0" y="0"/>
+          <a:chExt cx="0" cy="0"/>
+        </a:xfrm>
+      </p:grpSpPr>
+      <p:pic>
+        <p:nvPicPr>
+          <p:cNvPr id="2" name="Picture 1"/>
+          <p:cNvPicPr>
+            <a:picLocks noChangeAspect="1"/>
+          </p:cNvPicPr>
+          <p:nvPr/>
+        </p:nvPicPr>
+        <p:blipFill>
+          <a:blip r:embed="rId2"/>
+          <a:stretch>
+            <a:fillRect/>
+          </a:stretch>
+        </p:blipFill>
+        <p:spPr>
+          <a:xfrm>
+            <a:off x="4762" y="0"/>
+            <a:ext cx="9139238" cy="6858000"/>
+          </a:xfrm>
+          <a:prstGeom prst="rect">
+            <a:avLst/>
+          </a:prstGeom>
+        </p:spPr>
+      </p:pic>
+    </p:spTree>
+    <p:extLst>
+      <p:ext uri="{BB962C8B-B14F-4D97-AF65-F5344CB8AC3E}">
+        <p14:creationId xmlns:p14="http://schemas.microsoft.com/office/powerpoint/2010/main" val="388711127"/>
+      </p:ext>
+    </p:extLst>
+  </p:cSld>
+  <p:clrMapOvr>
+    <a:masterClrMapping/>
+  </p:clrMapOvr>
+  <p:timing>
+    <p:tnLst>
+      <p:par>
+        <p:cTn id="1" dur="indefinite" restart="never" nodeType="tmRoot"/>
+      </p:par>
+    </p:tnLst>
+  </p:timing>
+</p:sld>
+</file>
+
+<file path=ppt/slides/slide18.xml><?xml version="1.0" encoding="utf-8"?>
+<p:sld xmlns:a="http://schemas.openxmlformats.org/drawingml/2006/main" xmlns:r="http://schemas.openxmlformats.org/officeDocument/2006/relationships" xmlns:p="http://schemas.openxmlformats.org/presentationml/2006/main">
+  <p:cSld>
+    <p:spTree>
+      <p:nvGrpSpPr>
+        <p:cNvPr id="1" name=""/>
+        <p:cNvGrpSpPr/>
+        <p:nvPr/>
+      </p:nvGrpSpPr>
+      <p:grpSpPr>
+        <a:xfrm>
+          <a:off x="0" y="0"/>
+          <a:ext cx="0" cy="0"/>
+          <a:chOff x="0" y="0"/>
+          <a:chExt cx="0" cy="0"/>
+        </a:xfrm>
+      </p:grpSpPr>
+      <p:pic>
+        <p:nvPicPr>
+          <p:cNvPr id="5" name="Picture 4"/>
+          <p:cNvPicPr>
+            <a:picLocks noChangeAspect="1"/>
+          </p:cNvPicPr>
+          <p:nvPr/>
+        </p:nvPicPr>
+        <p:blipFill rotWithShape="1">
+          <a:blip r:embed="rId2"/>
+          <a:srcRect t="11279" b="5748"/>
+          <a:stretch/>
+        </p:blipFill>
+        <p:spPr>
+          <a:xfrm>
+            <a:off x="76200" y="1281113"/>
+            <a:ext cx="8991600" cy="5500687"/>
+          </a:xfrm>
+          <a:prstGeom prst="rect">
+            <a:avLst/>
+          </a:prstGeom>
+        </p:spPr>
+      </p:pic>
+      <p:sp>
+        <p:nvSpPr>
+          <p:cNvPr id="6" name="Rectangle 5"/>
+          <p:cNvSpPr/>
+          <p:nvPr/>
+        </p:nvSpPr>
+        <p:spPr>
+          <a:xfrm>
+            <a:off x="4065098" y="3244334"/>
+            <a:ext cx="1013804" cy="369332"/>
+          </a:xfrm>
+          <a:prstGeom prst="rect">
+            <a:avLst/>
+          </a:prstGeom>
+        </p:spPr>
+        <p:txBody>
+          <a:bodyPr wrap="none">
+            <a:spAutoFit/>
+          </a:bodyPr>
+          <a:lstStyle/>
+          <a:p>
+            <a:r>
+              <a:rPr lang="en-US" b="1" u="sng" dirty="0"/>
+              <a:t>Notepad</a:t>
+            </a:r>
+            <a:endParaRPr lang="en-US" dirty="0"/>
+          </a:p>
+        </p:txBody>
+      </p:sp>
+      <p:sp>
+        <p:nvSpPr>
+          <p:cNvPr id="7" name="Title 1"/>
+          <p:cNvSpPr>
+            <a:spLocks noGrp="1"/>
+          </p:cNvSpPr>
+          <p:nvPr>
+            <p:ph type="title"/>
+          </p:nvPr>
+        </p:nvSpPr>
+        <p:spPr>
+          <a:xfrm>
+            <a:off x="457200" y="274638"/>
+            <a:ext cx="8229600" cy="639762"/>
+          </a:xfrm>
+        </p:spPr>
+        <p:txBody>
+          <a:bodyPr>
+            <a:normAutofit fontScale="90000"/>
+          </a:bodyPr>
+          <a:lstStyle/>
+          <a:p>
+            <a:r>
+              <a:rPr lang="en-US" b="1" u="sng" dirty="0" smtClean="0"/>
+              <a:t>Default Applications Of Windows</a:t>
+            </a:r>
+            <a:endParaRPr lang="en-US" b="1" u="sng" dirty="0"/>
+          </a:p>
+        </p:txBody>
+      </p:sp>
+    </p:spTree>
+    <p:extLst>
+      <p:ext uri="{BB962C8B-B14F-4D97-AF65-F5344CB8AC3E}">
+        <p14:creationId xmlns:p14="http://schemas.microsoft.com/office/powerpoint/2010/main" val="645923857"/>
+      </p:ext>
+    </p:extLst>
+  </p:cSld>
+  <p:clrMapOvr>
+    <a:masterClrMapping/>
+  </p:clrMapOvr>
+  <p:timing>
+    <p:tnLst>
+      <p:par>
+        <p:cTn id="1" dur="indefinite" restart="never" nodeType="tmRoot"/>
+      </p:par>
+    </p:tnLst>
+  </p:timing>
+</p:sld>
+</file>
+
+<file path=ppt/slides/slide19.xml><?xml version="1.0" encoding="utf-8"?>
+<p:sld xmlns:a="http://schemas.openxmlformats.org/drawingml/2006/main" xmlns:r="http://schemas.openxmlformats.org/officeDocument/2006/relationships" xmlns:p="http://schemas.openxmlformats.org/presentationml/2006/main">
+  <p:cSld>
+    <p:spTree>
+      <p:nvGrpSpPr>
+        <p:cNvPr id="1" name=""/>
+        <p:cNvGrpSpPr/>
+        <p:nvPr/>
+      </p:nvGrpSpPr>
+      <p:grpSpPr>
+        <a:xfrm>
+          <a:off x="0" y="0"/>
+          <a:ext cx="0" cy="0"/>
+          <a:chOff x="0" y="0"/>
+          <a:chExt cx="0" cy="0"/>
+        </a:xfrm>
+      </p:grpSpPr>
+      <p:pic>
+        <p:nvPicPr>
+          <p:cNvPr id="4" name="Picture 3"/>
+          <p:cNvPicPr>
+            <a:picLocks noChangeAspect="1"/>
+          </p:cNvPicPr>
+          <p:nvPr/>
+        </p:nvPicPr>
+        <p:blipFill>
+          <a:blip r:embed="rId2"/>
+          <a:stretch>
+            <a:fillRect/>
+          </a:stretch>
+        </p:blipFill>
+        <p:spPr>
+          <a:xfrm>
+            <a:off x="304800" y="1219200"/>
+            <a:ext cx="8382000" cy="5638800"/>
+          </a:xfrm>
+          <a:prstGeom prst="rect">
+            <a:avLst/>
+          </a:prstGeom>
+        </p:spPr>
+      </p:pic>
+      <p:sp>
+        <p:nvSpPr>
+          <p:cNvPr id="3" name="Title 1"/>
+          <p:cNvSpPr>
+            <a:spLocks noGrp="1"/>
+          </p:cNvSpPr>
+          <p:nvPr>
+            <p:ph type="title"/>
+          </p:nvPr>
+        </p:nvSpPr>
+        <p:spPr>
+          <a:xfrm>
+            <a:off x="457200" y="274638"/>
+            <a:ext cx="8229600" cy="639762"/>
+          </a:xfrm>
+        </p:spPr>
+        <p:txBody>
+          <a:bodyPr>
+            <a:normAutofit fontScale="90000"/>
+          </a:bodyPr>
+          <a:lstStyle/>
+          <a:p>
+            <a:r>
+              <a:rPr lang="en-US" b="1" u="sng" dirty="0" smtClean="0"/>
+              <a:t>MS Paint</a:t>
+            </a:r>
+            <a:endParaRPr lang="en-US" b="1" u="sng" dirty="0"/>
+          </a:p>
+        </p:txBody>
+      </p:sp>
+    </p:spTree>
+    <p:extLst>
+      <p:ext uri="{BB962C8B-B14F-4D97-AF65-F5344CB8AC3E}">
+        <p14:creationId xmlns:p14="http://schemas.microsoft.com/office/powerpoint/2010/main" val="2369322038"/>
       </p:ext>
     </p:extLst>
   </p:cSld>
@@ -4176,28 +4895,84 @@
         </p:nvSpPr>
         <p:spPr/>
         <p:txBody>
-          <a:bodyPr/>
-          <a:lstStyle/>
-          <a:p>
+          <a:bodyPr>
+            <a:normAutofit fontScale="92500" lnSpcReduction="20000"/>
+          </a:bodyPr>
+          <a:lstStyle/>
+          <a:p>
+            <a:pPr marL="0" indent="0" algn="just">
+              <a:buNone/>
+            </a:pPr>
             <a:r>
               <a:rPr lang="en-US" dirty="0" smtClean="0"/>
-              <a:t>Computer as an electronic devices.It accept the data and instructions, store it in its memory</a:t>
-            </a:r>
-          </a:p>
-          <a:p>
+              <a:t>	Computer Word Derived from Latin Term “COMPUTE” Which means calculate or Manipulate.</a:t>
+            </a:r>
+          </a:p>
+          <a:p>
+            <a:pPr marL="0" indent="0" algn="just">
+              <a:buNone/>
+            </a:pPr>
+            <a:endParaRPr lang="en-US" dirty="0"/>
+          </a:p>
+          <a:p>
+            <a:pPr marL="0" indent="0" algn="just">
+              <a:buNone/>
+            </a:pPr>
             <a:r>
               <a:rPr lang="en-US" dirty="0" smtClean="0"/>
-              <a:t>In 1802 Charles Babbage developed the analytical engine.</a:t>
-            </a:r>
-          </a:p>
-          <a:p>
+              <a:t>	Computer as an electronic devices. It accept the data and instructions</a:t>
+            </a:r>
             <a:r>
               <a:rPr lang="en-US" dirty="0"/>
+              <a:t> </a:t>
+            </a:r>
+            <a:r>
+              <a:rPr lang="en-US" dirty="0" smtClean="0"/>
+              <a:t>from Input devices and Process it in CPU after processing it give out results by Output Device.</a:t>
+            </a:r>
+          </a:p>
+          <a:p>
+            <a:endParaRPr lang="en-US" dirty="0" smtClean="0"/>
+          </a:p>
+          <a:p>
+            <a:pPr marL="0" indent="0" algn="just">
+              <a:buNone/>
+            </a:pPr>
+            <a:r>
+              <a:rPr lang="en-US" smtClean="0"/>
+              <a:t>In </a:t>
+            </a:r>
+            <a:r>
+              <a:rPr lang="en-US" smtClean="0"/>
+              <a:t>1822 </a:t>
+            </a:r>
+            <a:r>
+              <a:rPr lang="en-US" b="1" u="sng" dirty="0" smtClean="0"/>
               <a:t>Charles Babbage </a:t>
             </a:r>
             <a:r>
               <a:rPr lang="en-US" dirty="0" smtClean="0"/>
-              <a:t> is the father of computer </a:t>
+              <a:t>developed the </a:t>
+            </a:r>
+            <a:r>
+              <a:rPr lang="en-US" b="1" dirty="0"/>
+              <a:t>analytical </a:t>
+            </a:r>
+            <a:r>
+              <a:rPr lang="en-US" b="1" dirty="0" smtClean="0"/>
+              <a:t>engine </a:t>
+            </a:r>
+            <a:r>
+              <a:rPr lang="en-US" dirty="0" smtClean="0"/>
+              <a:t>which resembles modern computers hence Charles </a:t>
+            </a:r>
+            <a:r>
+              <a:rPr lang="en-US" dirty="0"/>
+              <a:t>Babbage </a:t>
+            </a:r>
+            <a:r>
+              <a:rPr lang="en-US" dirty="0" smtClean="0"/>
+              <a:t> is called as father of computer.</a:t>
             </a:r>
             <a:endParaRPr lang="en-US" dirty="0"/>
           </a:p>
@@ -4207,6 +4982,285 @@
     <p:extLst>
       <p:ext uri="{BB962C8B-B14F-4D97-AF65-F5344CB8AC3E}">
         <p14:creationId xmlns:p14="http://schemas.microsoft.com/office/powerpoint/2010/main" val="531748272"/>
+      </p:ext>
+    </p:extLst>
+  </p:cSld>
+  <p:clrMapOvr>
+    <a:masterClrMapping/>
+  </p:clrMapOvr>
+  <p:timing>
+    <p:tnLst>
+      <p:par>
+        <p:cTn id="1" dur="indefinite" restart="never" nodeType="tmRoot"/>
+      </p:par>
+    </p:tnLst>
+  </p:timing>
+</p:sld>
+</file>
+
+<file path=ppt/slides/slide20.xml><?xml version="1.0" encoding="utf-8"?>
+<p:sld xmlns:a="http://schemas.openxmlformats.org/drawingml/2006/main" xmlns:r="http://schemas.openxmlformats.org/officeDocument/2006/relationships" xmlns:p="http://schemas.openxmlformats.org/presentationml/2006/main">
+  <p:cSld>
+    <p:spTree>
+      <p:nvGrpSpPr>
+        <p:cNvPr id="1" name=""/>
+        <p:cNvGrpSpPr/>
+        <p:nvPr/>
+      </p:nvGrpSpPr>
+      <p:grpSpPr>
+        <a:xfrm>
+          <a:off x="0" y="0"/>
+          <a:ext cx="0" cy="0"/>
+          <a:chOff x="0" y="0"/>
+          <a:chExt cx="0" cy="0"/>
+        </a:xfrm>
+      </p:grpSpPr>
+      <p:pic>
+        <p:nvPicPr>
+          <p:cNvPr id="2" name="Picture 1"/>
+          <p:cNvPicPr>
+            <a:picLocks noChangeAspect="1"/>
+          </p:cNvPicPr>
+          <p:nvPr/>
+        </p:nvPicPr>
+        <p:blipFill>
+          <a:blip r:embed="rId2"/>
+          <a:stretch>
+            <a:fillRect/>
+          </a:stretch>
+        </p:blipFill>
+        <p:spPr>
+          <a:xfrm>
+            <a:off x="685800" y="1052512"/>
+            <a:ext cx="7772400" cy="5829300"/>
+          </a:xfrm>
+          <a:prstGeom prst="rect">
+            <a:avLst/>
+          </a:prstGeom>
+        </p:spPr>
+      </p:pic>
+      <p:sp>
+        <p:nvSpPr>
+          <p:cNvPr id="5" name="Title 1"/>
+          <p:cNvSpPr>
+            <a:spLocks noGrp="1"/>
+          </p:cNvSpPr>
+          <p:nvPr>
+            <p:ph type="title"/>
+          </p:nvPr>
+        </p:nvSpPr>
+        <p:spPr>
+          <a:xfrm>
+            <a:off x="457200" y="274638"/>
+            <a:ext cx="8229600" cy="639762"/>
+          </a:xfrm>
+        </p:spPr>
+        <p:txBody>
+          <a:bodyPr>
+            <a:normAutofit fontScale="90000"/>
+          </a:bodyPr>
+          <a:lstStyle/>
+          <a:p>
+            <a:r>
+              <a:rPr lang="en-US" b="1" u="sng" dirty="0" smtClean="0"/>
+              <a:t>Notepad</a:t>
+            </a:r>
+            <a:endParaRPr lang="en-US" b="1" u="sng" dirty="0"/>
+          </a:p>
+        </p:txBody>
+      </p:sp>
+    </p:spTree>
+    <p:extLst>
+      <p:ext uri="{BB962C8B-B14F-4D97-AF65-F5344CB8AC3E}">
+        <p14:creationId xmlns:p14="http://schemas.microsoft.com/office/powerpoint/2010/main" val="2551506236"/>
+      </p:ext>
+    </p:extLst>
+  </p:cSld>
+  <p:clrMapOvr>
+    <a:masterClrMapping/>
+  </p:clrMapOvr>
+  <p:timing>
+    <p:tnLst>
+      <p:par>
+        <p:cTn id="1" dur="indefinite" restart="never" nodeType="tmRoot"/>
+      </p:par>
+    </p:tnLst>
+  </p:timing>
+</p:sld>
+</file>
+
+<file path=ppt/slides/slide21.xml><?xml version="1.0" encoding="utf-8"?>
+<p:sld xmlns:a="http://schemas.openxmlformats.org/drawingml/2006/main" xmlns:r="http://schemas.openxmlformats.org/officeDocument/2006/relationships" xmlns:p="http://schemas.openxmlformats.org/presentationml/2006/main">
+  <p:cSld>
+    <p:spTree>
+      <p:nvGrpSpPr>
+        <p:cNvPr id="1" name=""/>
+        <p:cNvGrpSpPr/>
+        <p:nvPr/>
+      </p:nvGrpSpPr>
+      <p:grpSpPr>
+        <a:xfrm>
+          <a:off x="0" y="0"/>
+          <a:ext cx="0" cy="0"/>
+          <a:chOff x="0" y="0"/>
+          <a:chExt cx="0" cy="0"/>
+        </a:xfrm>
+      </p:grpSpPr>
+      <p:pic>
+        <p:nvPicPr>
+          <p:cNvPr id="3" name="Picture 2"/>
+          <p:cNvPicPr>
+            <a:picLocks noChangeAspect="1"/>
+          </p:cNvPicPr>
+          <p:nvPr/>
+        </p:nvPicPr>
+        <p:blipFill>
+          <a:blip r:embed="rId2"/>
+          <a:stretch>
+            <a:fillRect/>
+          </a:stretch>
+        </p:blipFill>
+        <p:spPr>
+          <a:xfrm>
+            <a:off x="762000" y="1143000"/>
+            <a:ext cx="7391400" cy="5543550"/>
+          </a:xfrm>
+          <a:prstGeom prst="rect">
+            <a:avLst/>
+          </a:prstGeom>
+        </p:spPr>
+      </p:pic>
+      <p:sp>
+        <p:nvSpPr>
+          <p:cNvPr id="4" name="Title 1"/>
+          <p:cNvSpPr>
+            <a:spLocks noGrp="1"/>
+          </p:cNvSpPr>
+          <p:nvPr>
+            <p:ph type="title"/>
+          </p:nvPr>
+        </p:nvSpPr>
+        <p:spPr>
+          <a:xfrm>
+            <a:off x="457200" y="274638"/>
+            <a:ext cx="8229600" cy="639762"/>
+          </a:xfrm>
+        </p:spPr>
+        <p:txBody>
+          <a:bodyPr>
+            <a:normAutofit fontScale="90000"/>
+          </a:bodyPr>
+          <a:lstStyle/>
+          <a:p>
+            <a:r>
+              <a:rPr lang="en-US" b="1" u="sng" dirty="0" smtClean="0"/>
+              <a:t>Word pad</a:t>
+            </a:r>
+            <a:endParaRPr lang="en-US" b="1" u="sng" dirty="0"/>
+          </a:p>
+        </p:txBody>
+      </p:sp>
+    </p:spTree>
+    <p:extLst>
+      <p:ext uri="{BB962C8B-B14F-4D97-AF65-F5344CB8AC3E}">
+        <p14:creationId xmlns:p14="http://schemas.microsoft.com/office/powerpoint/2010/main" val="4117774532"/>
+      </p:ext>
+    </p:extLst>
+  </p:cSld>
+  <p:clrMapOvr>
+    <a:masterClrMapping/>
+  </p:clrMapOvr>
+  <p:timing>
+    <p:tnLst>
+      <p:par>
+        <p:cTn id="1" dur="indefinite" restart="never" nodeType="tmRoot"/>
+      </p:par>
+    </p:tnLst>
+  </p:timing>
+</p:sld>
+</file>
+
+<file path=ppt/slides/slide22.xml><?xml version="1.0" encoding="utf-8"?>
+<p:sld xmlns:a="http://schemas.openxmlformats.org/drawingml/2006/main" xmlns:r="http://schemas.openxmlformats.org/officeDocument/2006/relationships" xmlns:p="http://schemas.openxmlformats.org/presentationml/2006/main">
+  <p:cSld>
+    <p:spTree>
+      <p:nvGrpSpPr>
+        <p:cNvPr id="1" name=""/>
+        <p:cNvGrpSpPr/>
+        <p:nvPr/>
+      </p:nvGrpSpPr>
+      <p:grpSpPr>
+        <a:xfrm>
+          <a:off x="0" y="0"/>
+          <a:ext cx="0" cy="0"/>
+          <a:chOff x="0" y="0"/>
+          <a:chExt cx="0" cy="0"/>
+        </a:xfrm>
+      </p:grpSpPr>
+      <p:sp>
+        <p:nvSpPr>
+          <p:cNvPr id="4" name="Title 1"/>
+          <p:cNvSpPr>
+            <a:spLocks noGrp="1"/>
+          </p:cNvSpPr>
+          <p:nvPr>
+            <p:ph type="title"/>
+          </p:nvPr>
+        </p:nvSpPr>
+        <p:spPr>
+          <a:xfrm>
+            <a:off x="2971800" y="1600200"/>
+            <a:ext cx="8229600" cy="639762"/>
+          </a:xfrm>
+        </p:spPr>
+        <p:txBody>
+          <a:bodyPr>
+            <a:normAutofit fontScale="90000"/>
+          </a:bodyPr>
+          <a:lstStyle/>
+          <a:p>
+            <a:r>
+              <a:rPr lang="en-US" b="1" u="sng" dirty="0" smtClean="0"/>
+              <a:t>Calculator</a:t>
+            </a:r>
+            <a:endParaRPr lang="en-US" b="1" u="sng" dirty="0"/>
+          </a:p>
+        </p:txBody>
+      </p:sp>
+      <p:pic>
+        <p:nvPicPr>
+          <p:cNvPr id="5" name="Picture 4" descr="Calculator"/>
+          <p:cNvPicPr>
+            <a:picLocks noChangeAspect="1"/>
+          </p:cNvPicPr>
+          <p:nvPr/>
+        </p:nvPicPr>
+        <p:blipFill>
+          <a:blip r:embed="rId3">
+            <a:extLst>
+              <a:ext uri="{28A0092B-C50C-407E-A947-70E740481C1C}">
+                <a14:useLocalDpi xmlns:a14="http://schemas.microsoft.com/office/drawing/2010/main" val="0"/>
+              </a:ext>
+            </a:extLst>
+          </a:blip>
+          <a:stretch>
+            <a:fillRect/>
+          </a:stretch>
+        </p:blipFill>
+        <p:spPr>
+          <a:xfrm>
+            <a:off x="152400" y="0"/>
+            <a:ext cx="4800600" cy="6858000"/>
+          </a:xfrm>
+          <a:prstGeom prst="rect">
+            <a:avLst/>
+          </a:prstGeom>
+        </p:spPr>
+      </p:pic>
+    </p:spTree>
+    <p:extLst>
+      <p:ext uri="{BB962C8B-B14F-4D97-AF65-F5344CB8AC3E}">
+        <p14:creationId xmlns:p14="http://schemas.microsoft.com/office/powerpoint/2010/main" val="936398764"/>
       </p:ext>
     </p:extLst>
   </p:cSld>
@@ -4257,68 +5311,39 @@
           <a:p>
             <a:r>
               <a:rPr lang="en-US" b="1" u="sng" dirty="0" smtClean="0"/>
-              <a:t>Three types of unit</a:t>
+              <a:t>Generations of computer</a:t>
             </a:r>
             <a:endParaRPr lang="en-US" b="1" u="sng" dirty="0"/>
           </a:p>
         </p:txBody>
       </p:sp>
-      <p:sp>
-        <p:nvSpPr>
-          <p:cNvPr id="3" name="Content Placeholder 2"/>
-          <p:cNvSpPr>
-            <a:spLocks noGrp="1"/>
-          </p:cNvSpPr>
-          <p:nvPr>
-            <p:ph idx="1"/>
-          </p:nvPr>
-        </p:nvSpPr>
-        <p:spPr/>
-        <p:txBody>
-          <a:bodyPr>
-            <a:normAutofit/>
-          </a:bodyPr>
-          <a:lstStyle/>
-          <a:p>
-            <a:r>
-              <a:rPr lang="en-US" b="1" dirty="0" smtClean="0"/>
-              <a:t>Basics functional units of a computer</a:t>
-            </a:r>
-            <a:endParaRPr lang="en-US" dirty="0" smtClean="0"/>
-          </a:p>
-          <a:p>
-            <a:r>
-              <a:rPr lang="en-US" dirty="0" smtClean="0"/>
-              <a:t>Input devices or unit </a:t>
-            </a:r>
-          </a:p>
-          <a:p>
-            <a:r>
-              <a:rPr lang="en-US" dirty="0" smtClean="0"/>
-              <a:t>Out device </a:t>
-            </a:r>
-            <a:r>
-              <a:rPr lang="en-US" dirty="0"/>
-              <a:t>or unit</a:t>
-            </a:r>
-            <a:endParaRPr lang="en-US" dirty="0" smtClean="0"/>
-          </a:p>
-          <a:p>
-            <a:r>
-              <a:rPr lang="en-US" dirty="0" smtClean="0"/>
-              <a:t>System </a:t>
-            </a:r>
-            <a:r>
-              <a:rPr lang="en-US" dirty="0"/>
-              <a:t>or unit</a:t>
-            </a:r>
-          </a:p>
-        </p:txBody>
-      </p:sp>
+      <p:pic>
+        <p:nvPicPr>
+          <p:cNvPr id="3" name="Picture 2"/>
+          <p:cNvPicPr>
+            <a:picLocks noChangeAspect="1"/>
+          </p:cNvPicPr>
+          <p:nvPr/>
+        </p:nvPicPr>
+        <p:blipFill rotWithShape="1">
+          <a:blip r:embed="rId2"/>
+          <a:srcRect l="32921" t="18140" b="14543"/>
+          <a:stretch/>
+        </p:blipFill>
+        <p:spPr>
+          <a:xfrm>
+            <a:off x="319087" y="1417638"/>
+            <a:ext cx="8505825" cy="5243122"/>
+          </a:xfrm>
+          <a:prstGeom prst="rect">
+            <a:avLst/>
+          </a:prstGeom>
+        </p:spPr>
+      </p:pic>
     </p:spTree>
     <p:extLst>
       <p:ext uri="{BB962C8B-B14F-4D97-AF65-F5344CB8AC3E}">
-        <p14:creationId xmlns:p14="http://schemas.microsoft.com/office/powerpoint/2010/main" val="2550468560"/>
+        <p14:creationId xmlns:p14="http://schemas.microsoft.com/office/powerpoint/2010/main" val="3742406903"/>
       </p:ext>
     </p:extLst>
   </p:cSld>
@@ -4354,6 +5379,29 @@
       </p:grpSpPr>
       <p:sp>
         <p:nvSpPr>
+          <p:cNvPr id="2" name="Title 1"/>
+          <p:cNvSpPr>
+            <a:spLocks noGrp="1"/>
+          </p:cNvSpPr>
+          <p:nvPr>
+            <p:ph type="title"/>
+          </p:nvPr>
+        </p:nvSpPr>
+        <p:spPr/>
+        <p:txBody>
+          <a:bodyPr/>
+          <a:lstStyle/>
+          <a:p>
+            <a:r>
+              <a:rPr lang="en-US" b="1" u="sng" dirty="0" smtClean="0"/>
+              <a:t>Three types of unit</a:t>
+            </a:r>
+            <a:endParaRPr lang="en-US" b="1" u="sng" dirty="0"/>
+          </a:p>
+        </p:txBody>
+      </p:sp>
+      <p:sp>
+        <p:nvSpPr>
           <p:cNvPr id="3" name="Content Placeholder 2"/>
           <p:cNvSpPr>
             <a:spLocks noGrp="1"/>
@@ -4362,104 +5410,152 @@
             <p:ph idx="1"/>
           </p:nvPr>
         </p:nvSpPr>
+        <p:spPr/>
+        <p:txBody>
+          <a:bodyPr>
+            <a:normAutofit/>
+          </a:bodyPr>
+          <a:lstStyle/>
+          <a:p>
+            <a:r>
+              <a:rPr lang="en-US" dirty="0" smtClean="0"/>
+              <a:t>Input devices or unit </a:t>
+            </a:r>
+          </a:p>
+          <a:p>
+            <a:r>
+              <a:rPr lang="en-US" dirty="0" smtClean="0"/>
+              <a:t>CPU (Central Processing Unit)</a:t>
+            </a:r>
+          </a:p>
+          <a:p>
+            <a:r>
+              <a:rPr lang="en-US" dirty="0" smtClean="0"/>
+              <a:t>Out device </a:t>
+            </a:r>
+            <a:r>
+              <a:rPr lang="en-US" dirty="0"/>
+              <a:t>or </a:t>
+            </a:r>
+            <a:r>
+              <a:rPr lang="en-US" dirty="0" smtClean="0"/>
+              <a:t>unit</a:t>
+            </a:r>
+          </a:p>
+          <a:p>
+            <a:endParaRPr lang="en-US" dirty="0" smtClean="0"/>
+          </a:p>
+          <a:p>
+            <a:endParaRPr lang="en-US" dirty="0"/>
+          </a:p>
+        </p:txBody>
+      </p:sp>
+      <p:sp>
+        <p:nvSpPr>
+          <p:cNvPr id="4" name="AutoShape 2" descr="Simple Model of a Computer with Input and Output Devices » rozyph.com"/>
+          <p:cNvSpPr>
+            <a:spLocks noChangeAspect="1" noChangeArrowheads="1"/>
+          </p:cNvSpPr>
+          <p:nvPr/>
+        </p:nvSpPr>
+        <p:spPr bwMode="auto">
+          <a:xfrm>
+            <a:off x="155575" y="-144463"/>
+            <a:ext cx="304800" cy="304801"/>
+          </a:xfrm>
+          <a:prstGeom prst="rect">
+            <a:avLst/>
+          </a:prstGeom>
+          <a:noFill/>
+          <a:extLst>
+            <a:ext uri="{909E8E84-426E-40DD-AFC4-6F175D3DCCD1}">
+              <a14:hiddenFill xmlns:a14="http://schemas.microsoft.com/office/drawing/2010/main">
+                <a:solidFill>
+                  <a:srgbClr val="FFFFFF"/>
+                </a:solidFill>
+              </a14:hiddenFill>
+            </a:ext>
+          </a:extLst>
+        </p:spPr>
+        <p:txBody>
+          <a:bodyPr vert="horz" wrap="square" lIns="91440" tIns="45720" rIns="91440" bIns="45720" numCol="1" anchor="t" anchorCtr="0" compatLnSpc="1">
+            <a:prstTxWarp prst="textNoShape">
+              <a:avLst/>
+            </a:prstTxWarp>
+          </a:bodyPr>
+          <a:lstStyle/>
+          <a:p>
+            <a:endParaRPr lang="en-US"/>
+          </a:p>
+        </p:txBody>
+      </p:sp>
+      <p:sp>
+        <p:nvSpPr>
+          <p:cNvPr id="5" name="AutoShape 4" descr="Simple Model of a Computer with Input and Output Devices » rozyph.com"/>
+          <p:cNvSpPr>
+            <a:spLocks noChangeAspect="1" noChangeArrowheads="1"/>
+          </p:cNvSpPr>
+          <p:nvPr/>
+        </p:nvSpPr>
+        <p:spPr bwMode="auto">
+          <a:xfrm>
+            <a:off x="307975" y="7937"/>
+            <a:ext cx="304800" cy="304801"/>
+          </a:xfrm>
+          <a:prstGeom prst="rect">
+            <a:avLst/>
+          </a:prstGeom>
+          <a:noFill/>
+          <a:extLst>
+            <a:ext uri="{909E8E84-426E-40DD-AFC4-6F175D3DCCD1}">
+              <a14:hiddenFill xmlns:a14="http://schemas.microsoft.com/office/drawing/2010/main">
+                <a:solidFill>
+                  <a:srgbClr val="FFFFFF"/>
+                </a:solidFill>
+              </a14:hiddenFill>
+            </a:ext>
+          </a:extLst>
+        </p:spPr>
+        <p:txBody>
+          <a:bodyPr vert="horz" wrap="square" lIns="91440" tIns="45720" rIns="91440" bIns="45720" numCol="1" anchor="t" anchorCtr="0" compatLnSpc="1">
+            <a:prstTxWarp prst="textNoShape">
+              <a:avLst/>
+            </a:prstTxWarp>
+          </a:bodyPr>
+          <a:lstStyle/>
+          <a:p>
+            <a:endParaRPr lang="en-US"/>
+          </a:p>
+        </p:txBody>
+      </p:sp>
+      <p:pic>
+        <p:nvPicPr>
+          <p:cNvPr id="6" name="Picture 5"/>
+          <p:cNvPicPr>
+            <a:picLocks noChangeAspect="1"/>
+          </p:cNvPicPr>
+          <p:nvPr/>
+        </p:nvPicPr>
+        <p:blipFill>
+          <a:blip r:embed="rId2"/>
+          <a:stretch>
+            <a:fillRect/>
+          </a:stretch>
+        </p:blipFill>
         <p:spPr>
           <a:xfrm>
-            <a:off x="457200" y="304800"/>
-            <a:ext cx="8229600" cy="5821363"/>
+            <a:off x="612775" y="3581400"/>
+            <a:ext cx="8074025" cy="2891335"/>
           </a:xfrm>
+          <a:prstGeom prst="rect">
+            <a:avLst/>
+          </a:prstGeom>
         </p:spPr>
-        <p:txBody>
-          <a:bodyPr>
-            <a:normAutofit fontScale="92500" lnSpcReduction="10000"/>
-          </a:bodyPr>
-          <a:lstStyle/>
-          <a:p>
-            <a:pPr algn="just"/>
-            <a:r>
-              <a:rPr lang="en-US" sz="4000" b="1" u="sng" dirty="0" smtClean="0"/>
-              <a:t>Input device </a:t>
-            </a:r>
-            <a:r>
-              <a:rPr lang="en-US" sz="4000" dirty="0" smtClean="0"/>
-              <a:t>:- input unit </a:t>
-            </a:r>
-            <a:r>
-              <a:rPr lang="en-US" sz="4000" dirty="0"/>
-              <a:t>a</a:t>
-            </a:r>
-            <a:r>
-              <a:rPr lang="en-US" sz="4000" dirty="0" smtClean="0"/>
-              <a:t>n external device that is connected to the CPU.</a:t>
-            </a:r>
-          </a:p>
-          <a:p>
-            <a:pPr lvl="1" algn="just"/>
-            <a:r>
-              <a:rPr lang="en-US" sz="3600" dirty="0" smtClean="0"/>
-              <a:t>Example of Input device are</a:t>
-            </a:r>
-          </a:p>
-          <a:p>
-            <a:pPr lvl="2" algn="just"/>
-            <a:r>
-              <a:rPr lang="en-US" sz="3200" dirty="0" smtClean="0"/>
-              <a:t>Keyboard</a:t>
-            </a:r>
-            <a:endParaRPr lang="en-US" sz="3200" dirty="0"/>
-          </a:p>
-          <a:p>
-            <a:pPr lvl="2" algn="just"/>
-            <a:r>
-              <a:rPr lang="en-US" sz="3200" dirty="0"/>
-              <a:t>Mouse</a:t>
-            </a:r>
-          </a:p>
-          <a:p>
-            <a:pPr lvl="2" algn="just"/>
-            <a:r>
-              <a:rPr lang="en-US" sz="3200" dirty="0"/>
-              <a:t>Scanner</a:t>
-            </a:r>
-          </a:p>
-          <a:p>
-            <a:pPr algn="just"/>
-            <a:endParaRPr lang="en-US" sz="4000" dirty="0" smtClean="0"/>
-          </a:p>
-          <a:p>
-            <a:pPr algn="just"/>
-            <a:r>
-              <a:rPr lang="en-US" sz="4000" b="1" u="sng" dirty="0" smtClean="0"/>
-              <a:t>Out device</a:t>
-            </a:r>
-            <a:r>
-              <a:rPr lang="en-US" sz="4000" dirty="0" smtClean="0"/>
-              <a:t>:-This is used to display the result obtained after executing of a program.</a:t>
-            </a:r>
-          </a:p>
-          <a:p>
-            <a:pPr lvl="1" algn="just"/>
-            <a:endParaRPr lang="en-US" sz="3600" dirty="0" smtClean="0"/>
-          </a:p>
-          <a:p>
-            <a:pPr marL="457200" lvl="1" indent="0" algn="just">
-              <a:buNone/>
-            </a:pPr>
-            <a:endParaRPr lang="en-US" sz="3600" dirty="0"/>
-          </a:p>
-          <a:p>
-            <a:pPr lvl="1" algn="just"/>
-            <a:endParaRPr lang="en-US" sz="3600" dirty="0" smtClean="0"/>
-          </a:p>
-          <a:p>
-            <a:pPr lvl="1" algn="just"/>
-            <a:endParaRPr lang="en-US" sz="3600" dirty="0"/>
-          </a:p>
-        </p:txBody>
-      </p:sp>
+      </p:pic>
     </p:spTree>
     <p:extLst>
       <p:ext uri="{BB962C8B-B14F-4D97-AF65-F5344CB8AC3E}">
-        <p14:creationId xmlns:p14="http://schemas.microsoft.com/office/powerpoint/2010/main" val="812143352"/>
+        <p14:creationId xmlns:p14="http://schemas.microsoft.com/office/powerpoint/2010/main" val="2550468560"/>
       </p:ext>
     </p:extLst>
   </p:cSld>
@@ -4495,108 +5591,140 @@
       </p:grpSpPr>
       <p:sp>
         <p:nvSpPr>
-          <p:cNvPr id="3" name="Content Placeholder 2"/>
-          <p:cNvSpPr>
-            <a:spLocks noGrp="1"/>
-          </p:cNvSpPr>
-          <p:nvPr>
-            <p:ph idx="1"/>
-          </p:nvPr>
-        </p:nvSpPr>
+          <p:cNvPr id="4" name="AutoShape 2" descr="Simple Model of a Computer with Input and Output Devices » rozyph.com"/>
+          <p:cNvSpPr>
+            <a:spLocks noChangeAspect="1" noChangeArrowheads="1"/>
+          </p:cNvSpPr>
+          <p:nvPr/>
+        </p:nvSpPr>
+        <p:spPr bwMode="auto">
+          <a:xfrm>
+            <a:off x="155575" y="-144463"/>
+            <a:ext cx="304800" cy="304801"/>
+          </a:xfrm>
+          <a:prstGeom prst="rect">
+            <a:avLst/>
+          </a:prstGeom>
+          <a:noFill/>
+          <a:extLst>
+            <a:ext uri="{909E8E84-426E-40DD-AFC4-6F175D3DCCD1}">
+              <a14:hiddenFill xmlns:a14="http://schemas.microsoft.com/office/drawing/2010/main">
+                <a:solidFill>
+                  <a:srgbClr val="FFFFFF"/>
+                </a:solidFill>
+              </a14:hiddenFill>
+            </a:ext>
+          </a:extLst>
+        </p:spPr>
+        <p:txBody>
+          <a:bodyPr vert="horz" wrap="square" lIns="91440" tIns="45720" rIns="91440" bIns="45720" numCol="1" anchor="t" anchorCtr="0" compatLnSpc="1">
+            <a:prstTxWarp prst="textNoShape">
+              <a:avLst/>
+            </a:prstTxWarp>
+          </a:bodyPr>
+          <a:lstStyle/>
+          <a:p>
+            <a:endParaRPr lang="en-US"/>
+          </a:p>
+        </p:txBody>
+      </p:sp>
+      <p:sp>
+        <p:nvSpPr>
+          <p:cNvPr id="5" name="AutoShape 4" descr="Simple Model of a Computer with Input and Output Devices » rozyph.com"/>
+          <p:cNvSpPr>
+            <a:spLocks noChangeAspect="1" noChangeArrowheads="1"/>
+          </p:cNvSpPr>
+          <p:nvPr/>
+        </p:nvSpPr>
+        <p:spPr bwMode="auto">
+          <a:xfrm>
+            <a:off x="307975" y="7937"/>
+            <a:ext cx="304800" cy="304801"/>
+          </a:xfrm>
+          <a:prstGeom prst="rect">
+            <a:avLst/>
+          </a:prstGeom>
+          <a:noFill/>
+          <a:extLst>
+            <a:ext uri="{909E8E84-426E-40DD-AFC4-6F175D3DCCD1}">
+              <a14:hiddenFill xmlns:a14="http://schemas.microsoft.com/office/drawing/2010/main">
+                <a:solidFill>
+                  <a:srgbClr val="FFFFFF"/>
+                </a:solidFill>
+              </a14:hiddenFill>
+            </a:ext>
+          </a:extLst>
+        </p:spPr>
+        <p:txBody>
+          <a:bodyPr vert="horz" wrap="square" lIns="91440" tIns="45720" rIns="91440" bIns="45720" numCol="1" anchor="t" anchorCtr="0" compatLnSpc="1">
+            <a:prstTxWarp prst="textNoShape">
+              <a:avLst/>
+            </a:prstTxWarp>
+          </a:bodyPr>
+          <a:lstStyle/>
+          <a:p>
+            <a:endParaRPr lang="en-US"/>
+          </a:p>
+        </p:txBody>
+      </p:sp>
+      <p:pic>
+        <p:nvPicPr>
+          <p:cNvPr id="11" name="Picture 10"/>
+          <p:cNvPicPr>
+            <a:picLocks noChangeAspect="1"/>
+          </p:cNvPicPr>
+          <p:nvPr/>
+        </p:nvPicPr>
+        <p:blipFill>
+          <a:blip r:embed="rId2"/>
+          <a:stretch>
+            <a:fillRect/>
+          </a:stretch>
+        </p:blipFill>
         <p:spPr>
           <a:xfrm>
-            <a:off x="457200" y="0"/>
-            <a:ext cx="8229600" cy="6126163"/>
+            <a:off x="914400" y="1295400"/>
+            <a:ext cx="7391400" cy="5543550"/>
+          </a:xfrm>
+          <a:prstGeom prst="rect">
+            <a:avLst/>
+          </a:prstGeom>
+        </p:spPr>
+      </p:pic>
+      <p:sp>
+        <p:nvSpPr>
+          <p:cNvPr id="12" name="Title 1"/>
+          <p:cNvSpPr>
+            <a:spLocks noGrp="1"/>
+          </p:cNvSpPr>
+          <p:nvPr>
+            <p:ph type="title"/>
+          </p:nvPr>
+        </p:nvSpPr>
+        <p:spPr>
+          <a:xfrm>
+            <a:off x="533400" y="-152400"/>
+            <a:ext cx="8229600" cy="1143000"/>
           </a:xfrm>
         </p:spPr>
         <p:txBody>
           <a:bodyPr>
-            <a:normAutofit lnSpcReduction="10000"/>
+            <a:noAutofit/>
           </a:bodyPr>
           <a:lstStyle/>
           <a:p>
-            <a:pPr marL="1200150" lvl="3" indent="-342900"/>
-            <a:endParaRPr lang="en-US" sz="2800" dirty="0" smtClean="0"/>
-          </a:p>
-          <a:p>
-            <a:pPr marL="1200150" lvl="3" indent="-342900"/>
-            <a:r>
-              <a:rPr lang="en-US" sz="2800" dirty="0" smtClean="0"/>
-              <a:t>Example </a:t>
-            </a:r>
-            <a:r>
-              <a:rPr lang="en-US" sz="2800" dirty="0"/>
-              <a:t>of </a:t>
-            </a:r>
-            <a:r>
-              <a:rPr lang="en-US" sz="2800" dirty="0" smtClean="0"/>
-              <a:t>out </a:t>
-            </a:r>
-            <a:r>
-              <a:rPr lang="en-US" sz="2800" dirty="0"/>
-              <a:t>device </a:t>
-            </a:r>
-            <a:r>
-              <a:rPr lang="en-US" sz="2800" dirty="0" smtClean="0"/>
-              <a:t>are</a:t>
-            </a:r>
-          </a:p>
-          <a:p>
-            <a:pPr marL="1200150" lvl="3" indent="-342900"/>
-            <a:r>
-              <a:rPr lang="en-US" sz="2800" dirty="0" smtClean="0"/>
-              <a:t>Monitor</a:t>
-            </a:r>
-          </a:p>
-          <a:p>
-            <a:pPr marL="1200150" lvl="3" indent="-342900"/>
-            <a:r>
-              <a:rPr lang="en-US" sz="2800" dirty="0" smtClean="0"/>
-              <a:t>Printer</a:t>
-            </a:r>
-          </a:p>
-          <a:p>
-            <a:pPr marL="1200150" lvl="3" indent="-342900"/>
-            <a:r>
-              <a:rPr lang="en-US" sz="2800" dirty="0" smtClean="0"/>
-              <a:t>Plotter</a:t>
-            </a:r>
-          </a:p>
-          <a:p>
-            <a:pPr marL="1200150" lvl="3" indent="-342900"/>
-            <a:r>
-              <a:rPr lang="en-US" sz="2800" dirty="0" smtClean="0"/>
-              <a:t>Scanner etc.</a:t>
-            </a:r>
-          </a:p>
-          <a:p>
-            <a:pPr marL="1200150" lvl="3" indent="-342900"/>
-            <a:endParaRPr lang="en-US" sz="2800" dirty="0"/>
-          </a:p>
-          <a:p>
-            <a:pPr marL="1200150" lvl="3" indent="-342900"/>
-            <a:endParaRPr lang="en-US" sz="2800" dirty="0"/>
-          </a:p>
-          <a:p>
-            <a:pPr algn="just"/>
-            <a:r>
-              <a:rPr lang="en-US" b="1" u="sng" dirty="0" smtClean="0"/>
-              <a:t>System device </a:t>
-            </a:r>
-            <a:r>
-              <a:rPr lang="en-US" dirty="0" smtClean="0"/>
-              <a:t>: Once the data and instructions are Received from the Input unit they are stored and processed in the system unit. The system unit further consists of mainly two sub units . They are</a:t>
-            </a:r>
-          </a:p>
-          <a:p>
-            <a:endParaRPr lang="en-US" dirty="0"/>
+            <a:r>
+              <a:rPr lang="en-US" sz="4800" b="1" dirty="0" smtClean="0"/>
+              <a:t>Block Diagram Of A Computer</a:t>
+            </a:r>
+            <a:endParaRPr lang="en-US" sz="4800" b="1" dirty="0"/>
           </a:p>
         </p:txBody>
       </p:sp>
     </p:spTree>
     <p:extLst>
       <p:ext uri="{BB962C8B-B14F-4D97-AF65-F5344CB8AC3E}">
-        <p14:creationId xmlns:p14="http://schemas.microsoft.com/office/powerpoint/2010/main" val="2326021047"/>
+        <p14:creationId xmlns:p14="http://schemas.microsoft.com/office/powerpoint/2010/main" val="2491582456"/>
       </p:ext>
     </p:extLst>
   </p:cSld>
@@ -4630,107 +5758,34 @@
           <a:chExt cx="0" cy="0"/>
         </a:xfrm>
       </p:grpSpPr>
-      <p:sp>
-        <p:nvSpPr>
-          <p:cNvPr id="3" name="Content Placeholder 2"/>
-          <p:cNvSpPr>
-            <a:spLocks noGrp="1"/>
-          </p:cNvSpPr>
-          <p:nvPr>
-            <p:ph idx="1"/>
-          </p:nvPr>
-        </p:nvSpPr>
+      <p:pic>
+        <p:nvPicPr>
+          <p:cNvPr id="4" name="Picture 3"/>
+          <p:cNvPicPr>
+            <a:picLocks noChangeAspect="1"/>
+          </p:cNvPicPr>
+          <p:nvPr/>
+        </p:nvPicPr>
+        <p:blipFill>
+          <a:blip r:embed="rId2"/>
+          <a:stretch>
+            <a:fillRect/>
+          </a:stretch>
+        </p:blipFill>
         <p:spPr>
           <a:xfrm>
-            <a:off x="457200" y="304800"/>
-            <a:ext cx="8229600" cy="5821363"/>
+            <a:off x="381000" y="285750"/>
+            <a:ext cx="8051800" cy="6038850"/>
           </a:xfrm>
+          <a:prstGeom prst="rect">
+            <a:avLst/>
+          </a:prstGeom>
         </p:spPr>
-        <p:txBody>
-          <a:bodyPr>
-            <a:normAutofit lnSpcReduction="10000"/>
-          </a:bodyPr>
-          <a:lstStyle/>
-          <a:p>
-            <a:pPr marL="514350" indent="-514350" algn="just">
-              <a:buFont typeface="+mj-lt"/>
-              <a:buAutoNum type="arabicPeriod"/>
-            </a:pPr>
-            <a:r>
-              <a:rPr lang="en-US" b="1" u="sng" dirty="0" smtClean="0"/>
-              <a:t>Central processing unit (CPU)</a:t>
-            </a:r>
-          </a:p>
-          <a:p>
-            <a:pPr marL="914400" lvl="1" indent="-514350" algn="just">
-              <a:buFont typeface="Arial" pitchFamily="34" charset="0"/>
-              <a:buChar char="•"/>
-            </a:pPr>
-            <a:r>
-              <a:rPr lang="en-US" dirty="0" smtClean="0"/>
-              <a:t>Heart and Brain of computer. This is generally called the CPU.once the data and instructions are received from the input devices, they are to e processed in this unit. CPU consists of two important functional unit</a:t>
-            </a:r>
-          </a:p>
-          <a:p>
-            <a:pPr marL="1314450" lvl="2" indent="-514350" algn="just">
-              <a:buFont typeface="+mj-lt"/>
-              <a:buAutoNum type="arabicPeriod"/>
-            </a:pPr>
-            <a:r>
-              <a:rPr lang="en-US" dirty="0" smtClean="0"/>
-              <a:t>Control unit</a:t>
-            </a:r>
-          </a:p>
-          <a:p>
-            <a:pPr marL="1314450" lvl="2" indent="-514350" algn="just">
-              <a:buFont typeface="+mj-lt"/>
-              <a:buAutoNum type="arabicPeriod"/>
-            </a:pPr>
-            <a:r>
-              <a:rPr lang="en-US" dirty="0" smtClean="0"/>
-              <a:t>Arithmetic &amp; logic unit</a:t>
-            </a:r>
-          </a:p>
-          <a:p>
-            <a:pPr marL="800100" lvl="2" indent="0" algn="just">
-              <a:buNone/>
-            </a:pPr>
-            <a:endParaRPr lang="en-US" dirty="0" smtClean="0"/>
-          </a:p>
-          <a:p>
-            <a:pPr marL="514350" indent="-514350" algn="just">
-              <a:buFont typeface="+mj-lt"/>
-              <a:buAutoNum type="arabicPeriod"/>
-            </a:pPr>
-            <a:r>
-              <a:rPr lang="en-US" b="1" u="sng" dirty="0" smtClean="0"/>
-              <a:t>Memory</a:t>
-            </a:r>
-            <a:r>
-              <a:rPr lang="en-US" dirty="0" smtClean="0"/>
-              <a:t> : memory is an important part of computer that stores the program or data that is under process that processed or it is already processed.</a:t>
-            </a:r>
-          </a:p>
-          <a:p>
-            <a:pPr lvl="3" algn="just">
-              <a:buFont typeface="Wingdings" pitchFamily="2" charset="2"/>
-              <a:buChar char="§"/>
-            </a:pPr>
-            <a:endParaRPr lang="en-US" dirty="0" smtClean="0"/>
-          </a:p>
-          <a:p>
-            <a:pPr lvl="1" algn="just">
-              <a:buFont typeface="Wingdings" pitchFamily="2" charset="2"/>
-              <a:buChar char="§"/>
-            </a:pPr>
-            <a:endParaRPr lang="en-US" dirty="0"/>
-          </a:p>
-        </p:txBody>
-      </p:sp>
+      </p:pic>
     </p:spTree>
     <p:extLst>
       <p:ext uri="{BB962C8B-B14F-4D97-AF65-F5344CB8AC3E}">
-        <p14:creationId xmlns:p14="http://schemas.microsoft.com/office/powerpoint/2010/main" val="2044376064"/>
+        <p14:creationId xmlns:p14="http://schemas.microsoft.com/office/powerpoint/2010/main" val="812143352"/>
       </p:ext>
     </p:extLst>
   </p:cSld>
@@ -4764,123 +5819,57 @@
           <a:chExt cx="0" cy="0"/>
         </a:xfrm>
       </p:grpSpPr>
-      <p:sp>
-        <p:nvSpPr>
-          <p:cNvPr id="3" name="Content Placeholder 2"/>
-          <p:cNvSpPr>
-            <a:spLocks noGrp="1"/>
-          </p:cNvSpPr>
-          <p:nvPr>
-            <p:ph idx="1"/>
-          </p:nvPr>
-        </p:nvSpPr>
+      <p:pic>
+        <p:nvPicPr>
+          <p:cNvPr id="4" name="Picture 3"/>
+          <p:cNvPicPr>
+            <a:picLocks noChangeAspect="1"/>
+          </p:cNvPicPr>
+          <p:nvPr/>
+        </p:nvPicPr>
+        <p:blipFill rotWithShape="1">
+          <a:blip r:embed="rId2"/>
+          <a:srcRect l="4687" t="7619" r="-781" b="47619"/>
+          <a:stretch/>
+        </p:blipFill>
         <p:spPr>
           <a:xfrm>
-            <a:off x="457200" y="381000"/>
-            <a:ext cx="8229600" cy="6324600"/>
+            <a:off x="157162" y="0"/>
+            <a:ext cx="8986838" cy="3124200"/>
           </a:xfrm>
+          <a:prstGeom prst="rect">
+            <a:avLst/>
+          </a:prstGeom>
         </p:spPr>
-        <p:txBody>
-          <a:bodyPr/>
-          <a:lstStyle/>
-          <a:p>
-            <a:pPr lvl="1">
-              <a:buFont typeface="Wingdings" pitchFamily="2" charset="2"/>
-              <a:buChar char="§"/>
-            </a:pPr>
-            <a:r>
-              <a:rPr lang="en-US" dirty="0"/>
-              <a:t>Two types of memory are</a:t>
-            </a:r>
-          </a:p>
-          <a:p>
-            <a:pPr marL="1371600" lvl="2" indent="-457200">
-              <a:buFont typeface="+mj-lt"/>
-              <a:buAutoNum type="arabicPeriod"/>
-            </a:pPr>
-            <a:r>
-              <a:rPr lang="en-US" dirty="0"/>
-              <a:t>Main or primary </a:t>
-            </a:r>
-            <a:r>
-              <a:rPr lang="en-US" dirty="0" smtClean="0"/>
-              <a:t>memory</a:t>
-            </a:r>
-            <a:endParaRPr lang="en-US" dirty="0"/>
-          </a:p>
-          <a:p>
-            <a:pPr marL="1371600" lvl="2" indent="-457200">
-              <a:buFont typeface="+mj-lt"/>
-              <a:buAutoNum type="arabicPeriod"/>
-            </a:pPr>
-            <a:r>
-              <a:rPr lang="en-US" dirty="0" smtClean="0"/>
-              <a:t>Secondary memory</a:t>
-            </a:r>
-          </a:p>
-          <a:p>
-            <a:pPr marL="1371600" lvl="2" indent="-457200">
-              <a:buFont typeface="+mj-lt"/>
-              <a:buAutoNum type="arabicPeriod"/>
-            </a:pPr>
-            <a:endParaRPr lang="en-US" dirty="0"/>
-          </a:p>
-          <a:p>
-            <a:pPr marL="1371600" lvl="2" indent="-457200">
-              <a:buFont typeface="+mj-lt"/>
-              <a:buAutoNum type="alphaUcPeriod"/>
-            </a:pPr>
-            <a:r>
-              <a:rPr lang="en-US" b="1" u="sng" dirty="0" smtClean="0"/>
-              <a:t>Main </a:t>
-            </a:r>
-            <a:r>
-              <a:rPr lang="en-US" b="1" u="sng" dirty="0"/>
-              <a:t>or primary memory</a:t>
-            </a:r>
-          </a:p>
-          <a:p>
-            <a:pPr marL="914400" lvl="2" indent="0">
-              <a:buNone/>
-            </a:pPr>
-            <a:r>
-              <a:rPr lang="en-US" dirty="0" smtClean="0"/>
-              <a:t> </a:t>
-            </a:r>
-            <a:r>
-              <a:rPr lang="en-US" dirty="0"/>
-              <a:t>This is the placed where the data and instructions supplied by the input devices are stored.  This is a temporary memory because the data and instructions stored here are erased when the power goes off. This is also referred to as the primary memory. It consists RAM and ROM</a:t>
-            </a:r>
-          </a:p>
-          <a:p>
-            <a:pPr marL="914400" lvl="2" indent="0">
-              <a:buNone/>
-            </a:pPr>
-            <a:r>
-              <a:rPr lang="en-US" dirty="0" smtClean="0"/>
-              <a:t>Examples of main memory</a:t>
-            </a:r>
-          </a:p>
-          <a:p>
-            <a:pPr marL="1828800" lvl="3" indent="-457200">
-              <a:buFont typeface="+mj-lt"/>
-              <a:buAutoNum type="alphaUcPeriod"/>
-            </a:pPr>
-            <a:r>
-              <a:rPr lang="en-US" b="1" u="sng" dirty="0" smtClean="0"/>
-              <a:t>Random Access Memory</a:t>
-            </a:r>
-            <a:r>
-              <a:rPr lang="en-US" dirty="0" smtClean="0"/>
-              <a:t>:-it is read and write memory. it is a temporary memory. It is a temprovery memory because during power failure , the  information stored in RAM will be erased. Sometime it is called volatile memory </a:t>
-            </a:r>
-          </a:p>
-        </p:txBody>
-      </p:sp>
+      </p:pic>
+      <p:pic>
+        <p:nvPicPr>
+          <p:cNvPr id="5" name="Picture 4"/>
+          <p:cNvPicPr>
+            <a:picLocks noChangeAspect="1"/>
+          </p:cNvPicPr>
+          <p:nvPr/>
+        </p:nvPicPr>
+        <p:blipFill>
+          <a:blip r:embed="rId3"/>
+          <a:stretch>
+            <a:fillRect/>
+          </a:stretch>
+        </p:blipFill>
+        <p:spPr>
+          <a:xfrm>
+            <a:off x="247650" y="3124200"/>
+            <a:ext cx="8667750" cy="3733800"/>
+          </a:xfrm>
+          <a:prstGeom prst="rect">
+            <a:avLst/>
+          </a:prstGeom>
+        </p:spPr>
+      </p:pic>
     </p:spTree>
     <p:extLst>
       <p:ext uri="{BB962C8B-B14F-4D97-AF65-F5344CB8AC3E}">
-        <p14:creationId xmlns:p14="http://schemas.microsoft.com/office/powerpoint/2010/main" val="2201673758"/>
+        <p14:creationId xmlns:p14="http://schemas.microsoft.com/office/powerpoint/2010/main" val="2326021047"/>
       </p:ext>
     </p:extLst>
   </p:cSld>
@@ -4914,141 +5903,33 @@
           <a:chExt cx="0" cy="0"/>
         </a:xfrm>
       </p:grpSpPr>
-      <p:sp>
-        <p:nvSpPr>
-          <p:cNvPr id="3" name="Content Placeholder 2"/>
-          <p:cNvSpPr>
-            <a:spLocks noGrp="1"/>
-          </p:cNvSpPr>
-          <p:nvPr>
-            <p:ph idx="1"/>
-          </p:nvPr>
-        </p:nvSpPr>
+      <p:pic>
+        <p:nvPicPr>
+          <p:cNvPr id="6" name="Picture 5"/>
+          <p:cNvPicPr>
+            <a:picLocks noChangeAspect="1"/>
+          </p:cNvPicPr>
+          <p:nvPr/>
+        </p:nvPicPr>
+        <p:blipFill rotWithShape="1">
+          <a:blip r:embed="rId2"/>
+          <a:srcRect t="50633"/>
+          <a:stretch/>
+        </p:blipFill>
         <p:spPr>
           <a:xfrm>
-            <a:off x="0" y="76200"/>
-            <a:ext cx="9144000" cy="6553200"/>
+            <a:off x="838200" y="914400"/>
+            <a:ext cx="7862888" cy="4343400"/>
           </a:xfrm>
+          <a:prstGeom prst="rect">
+            <a:avLst/>
+          </a:prstGeom>
         </p:spPr>
-        <p:txBody>
-          <a:bodyPr>
-            <a:normAutofit/>
-          </a:bodyPr>
-          <a:lstStyle/>
-          <a:p>
-            <a:pPr marL="914400" lvl="5" indent="0" algn="just">
-              <a:buNone/>
-            </a:pPr>
-            <a:r>
-              <a:rPr lang="en-US" b="1" u="sng" dirty="0" smtClean="0"/>
-              <a:t>B. Read only Memory</a:t>
-            </a:r>
-            <a:r>
-              <a:rPr lang="en-US" dirty="0" smtClean="0"/>
-              <a:t>:-it is permanent memory. </a:t>
-            </a:r>
-            <a:r>
-              <a:rPr lang="en-US" dirty="0"/>
-              <a:t>It is non- volatile memory </a:t>
-            </a:r>
-            <a:r>
-              <a:rPr lang="en-US" dirty="0" smtClean="0"/>
-              <a:t> will not be lost even if the power goes of . It is non- volatile memory </a:t>
-            </a:r>
-          </a:p>
-          <a:p>
-            <a:pPr marL="914400" lvl="5" indent="0" algn="just">
-              <a:buNone/>
-            </a:pPr>
-            <a:r>
-              <a:rPr lang="en-US" sz="3200" b="1" u="sng" dirty="0" smtClean="0"/>
-              <a:t>2. Secondary memory </a:t>
-            </a:r>
-            <a:r>
-              <a:rPr lang="en-US" dirty="0" smtClean="0"/>
-              <a:t>: For large storage of data, additional memory called the auxiliary or secondary memory is used . Data are stored in secondary storage in the same binary codes as in the main (primary memory) storage . Some of the devices of secondary storage are Floppy, Hard Dick , CD –ROM, DVD</a:t>
-            </a:r>
-          </a:p>
-          <a:p>
-            <a:pPr marL="1371600" lvl="5" indent="-457200" algn="just">
-              <a:buFont typeface="+mj-lt"/>
-              <a:buAutoNum type="alphaUcPeriod"/>
-            </a:pPr>
-            <a:r>
-              <a:rPr lang="en-US" b="1" u="sng" dirty="0" smtClean="0"/>
-              <a:t>Hard Disk </a:t>
-            </a:r>
-            <a:r>
-              <a:rPr lang="en-US" dirty="0" smtClean="0"/>
-              <a:t>it is permanent storage device. The hard disk can hold more information than the floppy disk and the retrieval of information from hard disk is faster when compared to floppies or tope. </a:t>
-            </a:r>
-          </a:p>
-          <a:p>
-            <a:pPr marL="1371600" lvl="5" indent="-457200" algn="just">
-              <a:buFont typeface="+mj-lt"/>
-              <a:buAutoNum type="alphaUcPeriod"/>
-            </a:pPr>
-            <a:r>
-              <a:rPr lang="en-US" b="1" u="sng" dirty="0" smtClean="0"/>
-              <a:t>CD – ROM </a:t>
-            </a:r>
-            <a:r>
-              <a:rPr lang="en-US" dirty="0" smtClean="0"/>
-              <a:t>: </a:t>
-            </a:r>
-            <a:r>
-              <a:rPr lang="en-US" dirty="0"/>
-              <a:t>CD – </a:t>
-            </a:r>
-            <a:r>
-              <a:rPr lang="en-US" dirty="0" smtClean="0"/>
-              <a:t>ROM stands for compact disk read only memory . It I used to store a wide variety of information . To use a CD- ROM , a  device called CD drive is needed</a:t>
-            </a:r>
-          </a:p>
-          <a:p>
-            <a:pPr marL="1371600" lvl="5" indent="-457200" algn="just">
-              <a:buFont typeface="+mj-lt"/>
-              <a:buAutoNum type="alphaUcPeriod"/>
-            </a:pPr>
-            <a:r>
-              <a:rPr lang="en-US" b="1" u="sng" dirty="0"/>
-              <a:t> </a:t>
-            </a:r>
-            <a:r>
-              <a:rPr lang="en-US" b="1" u="sng" dirty="0" smtClean="0"/>
-              <a:t>DVD </a:t>
-            </a:r>
-            <a:r>
-              <a:rPr lang="en-US" dirty="0" smtClean="0"/>
-              <a:t>: DVD stands for Digital Versatile Disc . Because of their capacity , DVDs are generally used to store very large multimedia presentations and movies that combine high sound and graphic</a:t>
-            </a:r>
-          </a:p>
-          <a:p>
-            <a:pPr marL="1371600" lvl="5" indent="-457200" algn="just">
-              <a:buFont typeface="+mj-lt"/>
-              <a:buAutoNum type="alphaUcPeriod"/>
-            </a:pPr>
-            <a:r>
-              <a:rPr lang="en-US" b="1" u="sng" dirty="0" smtClean="0"/>
-              <a:t>Pen drive : </a:t>
-            </a:r>
-            <a:r>
-              <a:rPr lang="en-US" dirty="0" smtClean="0"/>
-              <a:t>it is small portable device that can be used to store, access and transfer data </a:t>
-            </a:r>
-          </a:p>
-          <a:p>
-            <a:pPr marL="914400" lvl="5" indent="0" algn="just">
-              <a:buNone/>
-            </a:pPr>
-            <a:endParaRPr lang="en-US" dirty="0" smtClean="0"/>
-          </a:p>
-        </p:txBody>
-      </p:sp>
+      </p:pic>
     </p:spTree>
     <p:extLst>
       <p:ext uri="{BB962C8B-B14F-4D97-AF65-F5344CB8AC3E}">
-        <p14:creationId xmlns:p14="http://schemas.microsoft.com/office/powerpoint/2010/main" val="3387405362"/>
+        <p14:creationId xmlns:p14="http://schemas.microsoft.com/office/powerpoint/2010/main" val="2044376064"/>
       </p:ext>
     </p:extLst>
   </p:cSld>
@@ -5082,592 +5963,34 @@
           <a:chExt cx="0" cy="0"/>
         </a:xfrm>
       </p:grpSpPr>
-      <p:sp>
-        <p:nvSpPr>
-          <p:cNvPr id="2" name="Title 1"/>
-          <p:cNvSpPr>
-            <a:spLocks noGrp="1"/>
-          </p:cNvSpPr>
-          <p:nvPr>
-            <p:ph type="title"/>
-          </p:nvPr>
-        </p:nvSpPr>
-        <p:spPr/>
-        <p:txBody>
-          <a:bodyPr/>
-          <a:lstStyle/>
-          <a:p>
-            <a:r>
-              <a:rPr lang="en-US" b="1" u="sng" dirty="0" smtClean="0"/>
-              <a:t>Generations of computer</a:t>
-            </a:r>
-            <a:endParaRPr lang="en-US" b="1" u="sng" dirty="0"/>
-          </a:p>
-        </p:txBody>
-      </p:sp>
-      <p:graphicFrame>
-        <p:nvGraphicFramePr>
-          <p:cNvPr id="4" name="Table 3"/>
-          <p:cNvGraphicFramePr>
-            <a:graphicFrameLocks noGrp="1"/>
-          </p:cNvGraphicFramePr>
-          <p:nvPr>
-            <p:extLst>
-              <p:ext uri="{D42A27DB-BD31-4B8C-83A1-F6EECF244321}">
-                <p14:modId xmlns:p14="http://schemas.microsoft.com/office/powerpoint/2010/main" val="3701544398"/>
-              </p:ext>
-            </p:extLst>
-          </p:nvPr>
-        </p:nvGraphicFramePr>
-        <p:xfrm>
-          <a:off x="304800" y="1295400"/>
-          <a:ext cx="8229600" cy="5176173"/>
-        </p:xfrm>
-        <a:graphic>
-          <a:graphicData uri="http://schemas.openxmlformats.org/drawingml/2006/table">
-            <a:tbl>
-              <a:tblPr/>
-              <a:tblGrid>
-                <a:gridCol w="2743200"/>
-                <a:gridCol w="2743200"/>
-                <a:gridCol w="2743200"/>
-              </a:tblGrid>
-              <a:tr h="1768955">
-                <a:tc>
-                  <a:txBody>
-                    <a:bodyPr/>
-                    <a:lstStyle/>
-                    <a:p>
-                      <a:r>
-                        <a:rPr lang="en-US" sz="2400" b="1" dirty="0">
-                          <a:effectLst/>
-                        </a:rPr>
-                        <a:t>Generations of computers</a:t>
-                      </a:r>
-                    </a:p>
-                  </a:txBody>
-                  <a:tcPr anchor="ctr">
-                    <a:lnL>
-                      <a:noFill/>
-                    </a:lnL>
-                    <a:lnR>
-                      <a:noFill/>
-                    </a:lnR>
-                    <a:lnT>
-                      <a:noFill/>
-                    </a:lnT>
-                    <a:lnB>
-                      <a:noFill/>
-                    </a:lnB>
-                  </a:tcPr>
-                </a:tc>
-                <a:tc>
-                  <a:txBody>
-                    <a:bodyPr/>
-                    <a:lstStyle/>
-                    <a:p>
-                      <a:r>
-                        <a:rPr lang="en-US" sz="2400">
-                          <a:effectLst/>
-                        </a:rPr>
-                        <a:t>Generations timeline</a:t>
-                      </a:r>
-                    </a:p>
-                  </a:txBody>
-                  <a:tcPr anchor="ctr">
-                    <a:lnL>
-                      <a:noFill/>
-                    </a:lnL>
-                    <a:lnR>
-                      <a:noFill/>
-                    </a:lnR>
-                    <a:lnT>
-                      <a:noFill/>
-                    </a:lnT>
-                    <a:lnB>
-                      <a:noFill/>
-                    </a:lnB>
-                  </a:tcPr>
-                </a:tc>
-                <a:tc>
-                  <a:txBody>
-                    <a:bodyPr/>
-                    <a:lstStyle/>
-                    <a:p>
-                      <a:r>
-                        <a:rPr lang="en-US" sz="2400">
-                          <a:effectLst/>
-                        </a:rPr>
-                        <a:t>Evolving hardware</a:t>
-                      </a:r>
-                    </a:p>
-                  </a:txBody>
-                  <a:tcPr anchor="ctr">
-                    <a:lnL>
-                      <a:noFill/>
-                    </a:lnL>
-                    <a:lnR>
-                      <a:noFill/>
-                    </a:lnR>
-                    <a:lnT>
-                      <a:noFill/>
-                    </a:lnT>
-                    <a:lnB>
-                      <a:noFill/>
-                    </a:lnB>
-                  </a:tcPr>
-                </a:tc>
-              </a:tr>
-              <a:tr h="469169">
-                <a:tc>
-                  <a:txBody>
-                    <a:bodyPr/>
-                    <a:lstStyle/>
-                    <a:p>
-                      <a:r>
-                        <a:rPr lang="en-US" sz="2400" b="1" dirty="0">
-                          <a:effectLst/>
-                        </a:rPr>
-                        <a:t>First generation</a:t>
-                      </a:r>
-                    </a:p>
-                  </a:txBody>
-                  <a:tcPr anchor="ctr">
-                    <a:lnL>
-                      <a:noFill/>
-                    </a:lnL>
-                    <a:lnR>
-                      <a:noFill/>
-                    </a:lnR>
-                    <a:lnT>
-                      <a:noFill/>
-                    </a:lnT>
-                    <a:lnB>
-                      <a:noFill/>
-                    </a:lnB>
-                  </a:tcPr>
-                </a:tc>
-                <a:tc>
-                  <a:txBody>
-                    <a:bodyPr/>
-                    <a:lstStyle/>
-                    <a:p>
-                      <a:r>
-                        <a:rPr lang="en-US" sz="2400" dirty="0" smtClean="0">
-                          <a:effectLst/>
-                        </a:rPr>
-                        <a:t>1946-1956</a:t>
-                      </a:r>
-                      <a:endParaRPr lang="en-US" sz="2400" dirty="0">
-                        <a:effectLst/>
-                      </a:endParaRPr>
-                    </a:p>
-                  </a:txBody>
-                  <a:tcPr anchor="ctr">
-                    <a:lnL>
-                      <a:noFill/>
-                    </a:lnL>
-                    <a:lnR>
-                      <a:noFill/>
-                    </a:lnR>
-                    <a:lnT>
-                      <a:noFill/>
-                    </a:lnT>
-                    <a:lnB>
-                      <a:noFill/>
-                    </a:lnB>
-                  </a:tcPr>
-                </a:tc>
-                <a:tc>
-                  <a:txBody>
-                    <a:bodyPr/>
-                    <a:lstStyle/>
-                    <a:p>
-                      <a:r>
-                        <a:rPr lang="en-US" sz="2400">
-                          <a:effectLst/>
-                        </a:rPr>
-                        <a:t>Vacuum tube based</a:t>
-                      </a:r>
-                    </a:p>
-                  </a:txBody>
-                  <a:tcPr anchor="ctr">
-                    <a:lnL>
-                      <a:noFill/>
-                    </a:lnL>
-                    <a:lnR>
-                      <a:noFill/>
-                    </a:lnR>
-                    <a:lnT>
-                      <a:noFill/>
-                    </a:lnT>
-                    <a:lnB>
-                      <a:noFill/>
-                    </a:lnB>
-                  </a:tcPr>
-                </a:tc>
-              </a:tr>
-              <a:tr h="469169">
-                <a:tc>
-                  <a:txBody>
-                    <a:bodyPr/>
-                    <a:lstStyle/>
-                    <a:p>
-                      <a:r>
-                        <a:rPr lang="en-US" sz="2400" b="1" dirty="0">
-                          <a:effectLst/>
-                        </a:rPr>
-                        <a:t>Second generation</a:t>
-                      </a:r>
-                    </a:p>
-                  </a:txBody>
-                  <a:tcPr anchor="ctr">
-                    <a:lnL>
-                      <a:noFill/>
-                    </a:lnL>
-                    <a:lnR>
-                      <a:noFill/>
-                    </a:lnR>
-                    <a:lnT>
-                      <a:noFill/>
-                    </a:lnT>
-                    <a:lnB>
-                      <a:noFill/>
-                    </a:lnB>
-                  </a:tcPr>
-                </a:tc>
-                <a:tc>
-                  <a:txBody>
-                    <a:bodyPr/>
-                    <a:lstStyle/>
-                    <a:p>
-                      <a:r>
-                        <a:rPr lang="en-US" sz="2400" dirty="0" smtClean="0">
-                          <a:effectLst/>
-                        </a:rPr>
-                        <a:t>1956-1963s</a:t>
-                      </a:r>
-                      <a:endParaRPr lang="en-US" sz="2400" dirty="0">
-                        <a:effectLst/>
-                      </a:endParaRPr>
-                    </a:p>
-                  </a:txBody>
-                  <a:tcPr anchor="ctr">
-                    <a:lnL>
-                      <a:noFill/>
-                    </a:lnL>
-                    <a:lnR>
-                      <a:noFill/>
-                    </a:lnR>
-                    <a:lnT>
-                      <a:noFill/>
-                    </a:lnT>
-                    <a:lnB>
-                      <a:noFill/>
-                    </a:lnB>
-                  </a:tcPr>
-                </a:tc>
-                <a:tc>
-                  <a:txBody>
-                    <a:bodyPr/>
-                    <a:lstStyle/>
-                    <a:p>
-                      <a:r>
-                        <a:rPr lang="en-US" sz="2400" dirty="0">
-                          <a:effectLst/>
-                        </a:rPr>
-                        <a:t>Transistor based</a:t>
-                      </a:r>
-                    </a:p>
-                  </a:txBody>
-                  <a:tcPr anchor="ctr">
-                    <a:lnL>
-                      <a:noFill/>
-                    </a:lnL>
-                    <a:lnR>
-                      <a:noFill/>
-                    </a:lnR>
-                    <a:lnT>
-                      <a:noFill/>
-                    </a:lnT>
-                    <a:lnB>
-                      <a:noFill/>
-                    </a:lnB>
-                  </a:tcPr>
-                </a:tc>
-              </a:tr>
-              <a:tr h="469169">
-                <a:tc>
-                  <a:txBody>
-                    <a:bodyPr/>
-                    <a:lstStyle/>
-                    <a:p>
-                      <a:r>
-                        <a:rPr lang="en-US" sz="2400" b="1" dirty="0">
-                          <a:effectLst/>
-                        </a:rPr>
-                        <a:t>Third generation</a:t>
-                      </a:r>
-                    </a:p>
-                  </a:txBody>
-                  <a:tcPr anchor="ctr">
-                    <a:lnL>
-                      <a:noFill/>
-                    </a:lnL>
-                    <a:lnR>
-                      <a:noFill/>
-                    </a:lnR>
-                    <a:lnT>
-                      <a:noFill/>
-                    </a:lnT>
-                    <a:lnB>
-                      <a:noFill/>
-                    </a:lnB>
-                  </a:tcPr>
-                </a:tc>
-                <a:tc>
-                  <a:txBody>
-                    <a:bodyPr/>
-                    <a:lstStyle/>
-                    <a:p>
-                      <a:r>
-                        <a:rPr lang="en-US" sz="2400" dirty="0" smtClean="0">
-                          <a:effectLst/>
-                        </a:rPr>
-                        <a:t>1963-1971s</a:t>
-                      </a:r>
-                      <a:endParaRPr lang="en-US" sz="2400" dirty="0">
-                        <a:effectLst/>
-                      </a:endParaRPr>
-                    </a:p>
-                  </a:txBody>
-                  <a:tcPr anchor="ctr">
-                    <a:lnL>
-                      <a:noFill/>
-                    </a:lnL>
-                    <a:lnR>
-                      <a:noFill/>
-                    </a:lnR>
-                    <a:lnT>
-                      <a:noFill/>
-                    </a:lnT>
-                    <a:lnB>
-                      <a:noFill/>
-                    </a:lnB>
-                  </a:tcPr>
-                </a:tc>
-                <a:tc>
-                  <a:txBody>
-                    <a:bodyPr/>
-                    <a:lstStyle/>
-                    <a:p>
-                      <a:r>
-                        <a:rPr lang="en-US" sz="2400">
-                          <a:effectLst/>
-                        </a:rPr>
-                        <a:t>Integrated circuit based</a:t>
-                      </a:r>
-                    </a:p>
-                  </a:txBody>
-                  <a:tcPr anchor="ctr">
-                    <a:lnL>
-                      <a:noFill/>
-                    </a:lnL>
-                    <a:lnR>
-                      <a:noFill/>
-                    </a:lnR>
-                    <a:lnT>
-                      <a:noFill/>
-                    </a:lnT>
-                    <a:lnB>
-                      <a:noFill/>
-                    </a:lnB>
-                  </a:tcPr>
-                </a:tc>
-              </a:tr>
-              <a:tr h="469169">
-                <a:tc>
-                  <a:txBody>
-                    <a:bodyPr/>
-                    <a:lstStyle/>
-                    <a:p>
-                      <a:r>
-                        <a:rPr lang="en-US" sz="2400" b="1" dirty="0">
-                          <a:effectLst/>
-                        </a:rPr>
-                        <a:t>Fourth generation</a:t>
-                      </a:r>
-                    </a:p>
-                  </a:txBody>
-                  <a:tcPr anchor="ctr">
-                    <a:lnL>
-                      <a:noFill/>
-                    </a:lnL>
-                    <a:lnR>
-                      <a:noFill/>
-                    </a:lnR>
-                    <a:lnT>
-                      <a:noFill/>
-                    </a:lnT>
-                    <a:lnB>
-                      <a:noFill/>
-                    </a:lnB>
-                  </a:tcPr>
-                </a:tc>
-                <a:tc>
-                  <a:txBody>
-                    <a:bodyPr/>
-                    <a:lstStyle/>
-                    <a:p>
-                      <a:r>
-                        <a:rPr lang="en-US" sz="2400" dirty="0" smtClean="0">
-                          <a:effectLst/>
-                        </a:rPr>
-                        <a:t>1971s-present</a:t>
-                      </a:r>
-                      <a:endParaRPr lang="en-US" sz="2400" dirty="0">
-                        <a:effectLst/>
-                      </a:endParaRPr>
-                    </a:p>
-                  </a:txBody>
-                  <a:tcPr anchor="ctr">
-                    <a:lnL>
-                      <a:noFill/>
-                    </a:lnL>
-                    <a:lnR>
-                      <a:noFill/>
-                    </a:lnR>
-                    <a:lnT>
-                      <a:noFill/>
-                    </a:lnT>
-                    <a:lnB>
-                      <a:noFill/>
-                    </a:lnB>
-                  </a:tcPr>
-                </a:tc>
-                <a:tc>
-                  <a:txBody>
-                    <a:bodyPr/>
-                    <a:lstStyle/>
-                    <a:p>
-                      <a:r>
-                        <a:rPr lang="en-US" sz="2400">
-                          <a:effectLst/>
-                        </a:rPr>
-                        <a:t>Microprocessor based</a:t>
-                      </a:r>
-                    </a:p>
-                  </a:txBody>
-                  <a:tcPr anchor="ctr">
-                    <a:lnL>
-                      <a:noFill/>
-                    </a:lnL>
-                    <a:lnR>
-                      <a:noFill/>
-                    </a:lnR>
-                    <a:lnT>
-                      <a:noFill/>
-                    </a:lnT>
-                    <a:lnB>
-                      <a:noFill/>
-                    </a:lnB>
-                  </a:tcPr>
-                </a:tc>
-              </a:tr>
-              <a:tr h="469169">
-                <a:tc>
-                  <a:txBody>
-                    <a:bodyPr/>
-                    <a:lstStyle/>
-                    <a:p>
-                      <a:r>
-                        <a:rPr lang="en-US" sz="2400" b="1" dirty="0">
-                          <a:effectLst/>
-                        </a:rPr>
-                        <a:t>Fifth generation</a:t>
-                      </a:r>
-                    </a:p>
-                  </a:txBody>
-                  <a:tcPr anchor="ctr">
-                    <a:lnL>
-                      <a:noFill/>
-                    </a:lnL>
-                    <a:lnR>
-                      <a:noFill/>
-                    </a:lnR>
-                    <a:lnT>
-                      <a:noFill/>
-                    </a:lnT>
-                    <a:lnB>
-                      <a:noFill/>
-                    </a:lnB>
-                  </a:tcPr>
-                </a:tc>
-                <a:tc>
-                  <a:txBody>
-                    <a:bodyPr/>
-                    <a:lstStyle/>
-                    <a:p>
-                      <a:r>
-                        <a:rPr lang="en-US" sz="2400">
-                          <a:effectLst/>
-                        </a:rPr>
-                        <a:t>The present and the future</a:t>
-                      </a:r>
-                    </a:p>
-                  </a:txBody>
-                  <a:tcPr anchor="ctr">
-                    <a:lnL>
-                      <a:noFill/>
-                    </a:lnL>
-                    <a:lnR>
-                      <a:noFill/>
-                    </a:lnR>
-                    <a:lnT>
-                      <a:noFill/>
-                    </a:lnT>
-                    <a:lnB>
-                      <a:noFill/>
-                    </a:lnB>
-                  </a:tcPr>
-                </a:tc>
-                <a:tc>
-                  <a:txBody>
-                    <a:bodyPr/>
-                    <a:lstStyle/>
-                    <a:p>
-                      <a:r>
-                        <a:rPr lang="en-US" sz="2400" dirty="0">
-                          <a:effectLst/>
-                        </a:rPr>
-                        <a:t>Artificial intelligence based</a:t>
-                      </a:r>
-                    </a:p>
-                  </a:txBody>
-                  <a:tcPr anchor="ctr">
-                    <a:lnL>
-                      <a:noFill/>
-                    </a:lnL>
-                    <a:lnR>
-                      <a:noFill/>
-                    </a:lnR>
-                    <a:lnT>
-                      <a:noFill/>
-                    </a:lnT>
-                    <a:lnB>
-                      <a:noFill/>
-                    </a:lnB>
-                  </a:tcPr>
-                </a:tc>
-              </a:tr>
-            </a:tbl>
-          </a:graphicData>
-        </a:graphic>
-      </p:graphicFrame>
+      <p:pic>
+        <p:nvPicPr>
+          <p:cNvPr id="4" name="Picture 3"/>
+          <p:cNvPicPr>
+            <a:picLocks noChangeAspect="1"/>
+          </p:cNvPicPr>
+          <p:nvPr/>
+        </p:nvPicPr>
+        <p:blipFill>
+          <a:blip r:embed="rId2"/>
+          <a:stretch>
+            <a:fillRect/>
+          </a:stretch>
+        </p:blipFill>
+        <p:spPr>
+          <a:xfrm>
+            <a:off x="685799" y="304800"/>
+            <a:ext cx="8001909" cy="6096000"/>
+          </a:xfrm>
+          <a:prstGeom prst="rect">
+            <a:avLst/>
+          </a:prstGeom>
+        </p:spPr>
+      </p:pic>
     </p:spTree>
     <p:extLst>
       <p:ext uri="{BB962C8B-B14F-4D97-AF65-F5344CB8AC3E}">
-        <p14:creationId xmlns:p14="http://schemas.microsoft.com/office/powerpoint/2010/main" val="3742406903"/>
+        <p14:creationId xmlns:p14="http://schemas.microsoft.com/office/powerpoint/2010/main" val="1438938677"/>
       </p:ext>
     </p:extLst>
   </p:cSld>
@@ -5967,4 +6290,265 @@
   <a:objectDefaults/>
   <a:extraClrSchemeLst/>
 </a:theme>
+</file>
+
+<file path=ppt/theme/theme2.xml><?xml version="1.0" encoding="utf-8"?>
+<a:theme xmlns:a="http://schemas.openxmlformats.org/drawingml/2006/main" name="Office Theme">
+  <a:themeElements>
+    <a:clrScheme name="Office">
+      <a:dk1>
+        <a:sysClr val="windowText" lastClr="000000"/>
+      </a:dk1>
+      <a:lt1>
+        <a:sysClr val="window" lastClr="FFFFFF"/>
+      </a:lt1>
+      <a:dk2>
+        <a:srgbClr val="44546A"/>
+      </a:dk2>
+      <a:lt2>
+        <a:srgbClr val="E7E6E6"/>
+      </a:lt2>
+      <a:accent1>
+        <a:srgbClr val="5B9BD5"/>
+      </a:accent1>
+      <a:accent2>
+        <a:srgbClr val="ED7D31"/>
+      </a:accent2>
+      <a:accent3>
+        <a:srgbClr val="A5A5A5"/>
+      </a:accent3>
+      <a:accent4>
+        <a:srgbClr val="FFC000"/>
+      </a:accent4>
+      <a:accent5>
+        <a:srgbClr val="4472C4"/>
+      </a:accent5>
+      <a:accent6>
+        <a:srgbClr val="70AD47"/>
+      </a:accent6>
+      <a:hlink>
+        <a:srgbClr val="0563C1"/>
+      </a:hlink>
+      <a:folHlink>
+        <a:srgbClr val="954F72"/>
+      </a:folHlink>
+    </a:clrScheme>
+    <a:fontScheme name="Office">
+      <a:majorFont>
+        <a:latin typeface="Calibri Light"/>
+        <a:ea typeface=""/>
+        <a:cs typeface=""/>
+        <a:font script="Jpan" typeface="ＭＳ Ｐゴシック"/>
+        <a:font script="Hang" typeface="맑은 고딕"/>
+        <a:font script="Hans" typeface="宋体"/>
+        <a:font script="Hant" typeface="新細明體"/>
+        <a:font script="Arab" typeface="Times New Roman"/>
+        <a:font script="Hebr" typeface="Times New Roman"/>
+        <a:font script="Thai" typeface="Angsana New"/>
+        <a:font script="Ethi" typeface="Nyala"/>
+        <a:font script="Beng" typeface="Vrinda"/>
+        <a:font script="Gujr" typeface="Shruti"/>
+        <a:font script="Khmr" typeface="MoolBoran"/>
+        <a:font script="Knda" typeface="Tunga"/>
+        <a:font script="Guru" typeface="Raavi"/>
+        <a:font script="Cans" typeface="Euphemia"/>
+        <a:font script="Cher" typeface="Plantagenet Cherokee"/>
+        <a:font script="Yiii" typeface="Microsoft Yi Baiti"/>
+        <a:font script="Tibt" typeface="Microsoft Himalaya"/>
+        <a:font script="Thaa" typeface="MV Boli"/>
+        <a:font script="Deva" typeface="Mangal"/>
+        <a:font script="Telu" typeface="Gautami"/>
+        <a:font script="Taml" typeface="Latha"/>
+        <a:font script="Syrc" typeface="Estrangelo Edessa"/>
+        <a:font script="Orya" typeface="Kalinga"/>
+        <a:font script="Mlym" typeface="Kartika"/>
+        <a:font script="Laoo" typeface="DokChampa"/>
+        <a:font script="Sinh" typeface="Iskoola Pota"/>
+        <a:font script="Mong" typeface="Mongolian Baiti"/>
+        <a:font script="Viet" typeface="Times New Roman"/>
+        <a:font script="Uigh" typeface="Microsoft Uighur"/>
+        <a:font script="Geor" typeface="Sylfaen"/>
+      </a:majorFont>
+      <a:minorFont>
+        <a:latin typeface="Calibri"/>
+        <a:ea typeface=""/>
+        <a:cs typeface=""/>
+        <a:font script="Jpan" typeface="ＭＳ Ｐゴシック"/>
+        <a:font script="Hang" typeface="맑은 고딕"/>
+        <a:font script="Hans" typeface="宋体"/>
+        <a:font script="Hant" typeface="新細明體"/>
+        <a:font script="Arab" typeface="Arial"/>
+        <a:font script="Hebr" typeface="Arial"/>
+        <a:font script="Thai" typeface="Cordia New"/>
+        <a:font script="Ethi" typeface="Nyala"/>
+        <a:font script="Beng" typeface="Vrinda"/>
+        <a:font script="Gujr" typeface="Shruti"/>
+        <a:font script="Khmr" typeface="DaunPenh"/>
+        <a:font script="Knda" typeface="Tunga"/>
+        <a:font script="Guru" typeface="Raavi"/>
+        <a:font script="Cans" typeface="Euphemia"/>
+        <a:font script="Cher" typeface="Plantagenet Cherokee"/>
+        <a:font script="Yiii" typeface="Microsoft Yi Baiti"/>
+        <a:font script="Tibt" typeface="Microsoft Himalaya"/>
+        <a:font script="Thaa" typeface="MV Boli"/>
+        <a:font script="Deva" typeface="Mangal"/>
+        <a:font script="Telu" typeface="Gautami"/>
+        <a:font script="Taml" typeface="Latha"/>
+        <a:font script="Syrc" typeface="Estrangelo Edessa"/>
+        <a:font script="Orya" typeface="Kalinga"/>
+        <a:font script="Mlym" typeface="Kartika"/>
+        <a:font script="Laoo" typeface="DokChampa"/>
+        <a:font script="Sinh" typeface="Iskoola Pota"/>
+        <a:font script="Mong" typeface="Mongolian Baiti"/>
+        <a:font script="Viet" typeface="Arial"/>
+        <a:font script="Uigh" typeface="Microsoft Uighur"/>
+        <a:font script="Geor" typeface="Sylfaen"/>
+      </a:minorFont>
+    </a:fontScheme>
+    <a:fmtScheme name="Office">
+      <a:fillStyleLst>
+        <a:solidFill>
+          <a:schemeClr val="phClr"/>
+        </a:solidFill>
+        <a:gradFill rotWithShape="1">
+          <a:gsLst>
+            <a:gs pos="0">
+              <a:schemeClr val="phClr">
+                <a:lumMod val="110000"/>
+                <a:satMod val="105000"/>
+                <a:tint val="67000"/>
+              </a:schemeClr>
+            </a:gs>
+            <a:gs pos="50000">
+              <a:schemeClr val="phClr">
+                <a:lumMod val="105000"/>
+                <a:satMod val="103000"/>
+                <a:tint val="73000"/>
+              </a:schemeClr>
+            </a:gs>
+            <a:gs pos="100000">
+              <a:schemeClr val="phClr">
+                <a:lumMod val="105000"/>
+                <a:satMod val="109000"/>
+                <a:tint val="81000"/>
+              </a:schemeClr>
+            </a:gs>
+          </a:gsLst>
+          <a:lin ang="5400000" scaled="0"/>
+        </a:gradFill>
+        <a:gradFill rotWithShape="1">
+          <a:gsLst>
+            <a:gs pos="0">
+              <a:schemeClr val="phClr">
+                <a:satMod val="103000"/>
+                <a:lumMod val="102000"/>
+                <a:tint val="94000"/>
+              </a:schemeClr>
+            </a:gs>
+            <a:gs pos="50000">
+              <a:schemeClr val="phClr">
+                <a:satMod val="110000"/>
+                <a:lumMod val="100000"/>
+                <a:shade val="100000"/>
+              </a:schemeClr>
+            </a:gs>
+            <a:gs pos="100000">
+              <a:schemeClr val="phClr">
+                <a:lumMod val="99000"/>
+                <a:satMod val="120000"/>
+                <a:shade val="78000"/>
+              </a:schemeClr>
+            </a:gs>
+          </a:gsLst>
+          <a:lin ang="5400000" scaled="0"/>
+        </a:gradFill>
+      </a:fillStyleLst>
+      <a:lnStyleLst>
+        <a:ln w="6350" cap="flat" cmpd="sng" algn="ctr">
+          <a:solidFill>
+            <a:schemeClr val="phClr"/>
+          </a:solidFill>
+          <a:prstDash val="solid"/>
+          <a:miter lim="800000"/>
+        </a:ln>
+        <a:ln w="12700" cap="flat" cmpd="sng" algn="ctr">
+          <a:solidFill>
+            <a:schemeClr val="phClr"/>
+          </a:solidFill>
+          <a:prstDash val="solid"/>
+          <a:miter lim="800000"/>
+        </a:ln>
+        <a:ln w="19050" cap="flat" cmpd="sng" algn="ctr">
+          <a:solidFill>
+            <a:schemeClr val="phClr"/>
+          </a:solidFill>
+          <a:prstDash val="solid"/>
+          <a:miter lim="800000"/>
+        </a:ln>
+      </a:lnStyleLst>
+      <a:effectStyleLst>
+        <a:effectStyle>
+          <a:effectLst/>
+        </a:effectStyle>
+        <a:effectStyle>
+          <a:effectLst/>
+        </a:effectStyle>
+        <a:effectStyle>
+          <a:effectLst>
+            <a:outerShdw blurRad="57150" dist="19050" dir="5400000" algn="ctr" rotWithShape="0">
+              <a:srgbClr val="000000">
+                <a:alpha val="63000"/>
+              </a:srgbClr>
+            </a:outerShdw>
+          </a:effectLst>
+        </a:effectStyle>
+      </a:effectStyleLst>
+      <a:bgFillStyleLst>
+        <a:solidFill>
+          <a:schemeClr val="phClr"/>
+        </a:solidFill>
+        <a:solidFill>
+          <a:schemeClr val="phClr">
+            <a:tint val="95000"/>
+            <a:satMod val="170000"/>
+          </a:schemeClr>
+        </a:solidFill>
+        <a:gradFill rotWithShape="1">
+          <a:gsLst>
+            <a:gs pos="0">
+              <a:schemeClr val="phClr">
+                <a:tint val="93000"/>
+                <a:satMod val="150000"/>
+                <a:shade val="98000"/>
+                <a:lumMod val="102000"/>
+              </a:schemeClr>
+            </a:gs>
+            <a:gs pos="50000">
+              <a:schemeClr val="phClr">
+                <a:tint val="98000"/>
+                <a:satMod val="130000"/>
+                <a:shade val="90000"/>
+                <a:lumMod val="103000"/>
+              </a:schemeClr>
+            </a:gs>
+            <a:gs pos="100000">
+              <a:schemeClr val="phClr">
+                <a:shade val="63000"/>
+                <a:satMod val="120000"/>
+              </a:schemeClr>
+            </a:gs>
+          </a:gsLst>
+          <a:lin ang="5400000" scaled="0"/>
+        </a:gradFill>
+      </a:bgFillStyleLst>
+    </a:fmtScheme>
+  </a:themeElements>
+  <a:objectDefaults/>
+  <a:extraClrSchemeLst/>
+  <a:extLst>
+    <a:ext uri="{05A4C25C-085E-4340-85A3-A5531E510DB2}">
+      <thm15:themeFamily xmlns:thm15="http://schemas.microsoft.com/office/thememl/2012/main" xmlns="" name="Office Theme" id="{62F939B6-93AF-4DB8-9C6B-D6C7DFDC589F}" vid="{4A3C46E8-61CC-4603-A589-7422A47A8E4A}"/>
+    </a:ext>
+  </a:extLst>
+</a:theme>
 </file>